--- a/cnn/fig/Presentation1.pptx
+++ b/cnn/fig/Presentation1.pptx
@@ -10,6 +10,7 @@
     <p:sldId id="259" r:id="rId4"/>
     <p:sldId id="258" r:id="rId5"/>
     <p:sldId id="260" r:id="rId6"/>
+    <p:sldId id="261" r:id="rId7"/>
   </p:sldIdLst>
   <p:sldSz cx="9144000" cy="6858000" type="screen4x3"/>
   <p:notesSz cx="7099300" cy="10234613"/>
@@ -292,7 +293,7 @@
           <a:p>
             <a:fld id="{EFC4B33A-2464-4470-AD55-97675D6F2A0E}" type="datetimeFigureOut">
               <a:rPr lang="en-US" smtClean="0"/>
-              <a:t>11/30/2015</a:t>
+              <a:t>2/22/2017</a:t>
             </a:fld>
             <a:endParaRPr lang="en-US"/>
           </a:p>
@@ -462,7 +463,7 @@
           <a:p>
             <a:fld id="{EFC4B33A-2464-4470-AD55-97675D6F2A0E}" type="datetimeFigureOut">
               <a:rPr lang="en-US" smtClean="0"/>
-              <a:t>11/30/2015</a:t>
+              <a:t>2/22/2017</a:t>
             </a:fld>
             <a:endParaRPr lang="en-US"/>
           </a:p>
@@ -642,7 +643,7 @@
           <a:p>
             <a:fld id="{EFC4B33A-2464-4470-AD55-97675D6F2A0E}" type="datetimeFigureOut">
               <a:rPr lang="en-US" smtClean="0"/>
-              <a:t>11/30/2015</a:t>
+              <a:t>2/22/2017</a:t>
             </a:fld>
             <a:endParaRPr lang="en-US"/>
           </a:p>
@@ -812,7 +813,7 @@
           <a:p>
             <a:fld id="{EFC4B33A-2464-4470-AD55-97675D6F2A0E}" type="datetimeFigureOut">
               <a:rPr lang="en-US" smtClean="0"/>
-              <a:t>11/30/2015</a:t>
+              <a:t>2/22/2017</a:t>
             </a:fld>
             <a:endParaRPr lang="en-US"/>
           </a:p>
@@ -1058,7 +1059,7 @@
           <a:p>
             <a:fld id="{EFC4B33A-2464-4470-AD55-97675D6F2A0E}" type="datetimeFigureOut">
               <a:rPr lang="en-US" smtClean="0"/>
-              <a:t>11/30/2015</a:t>
+              <a:t>2/22/2017</a:t>
             </a:fld>
             <a:endParaRPr lang="en-US"/>
           </a:p>
@@ -1346,7 +1347,7 @@
           <a:p>
             <a:fld id="{EFC4B33A-2464-4470-AD55-97675D6F2A0E}" type="datetimeFigureOut">
               <a:rPr lang="en-US" smtClean="0"/>
-              <a:t>11/30/2015</a:t>
+              <a:t>2/22/2017</a:t>
             </a:fld>
             <a:endParaRPr lang="en-US"/>
           </a:p>
@@ -1768,7 +1769,7 @@
           <a:p>
             <a:fld id="{EFC4B33A-2464-4470-AD55-97675D6F2A0E}" type="datetimeFigureOut">
               <a:rPr lang="en-US" smtClean="0"/>
-              <a:t>11/30/2015</a:t>
+              <a:t>2/22/2017</a:t>
             </a:fld>
             <a:endParaRPr lang="en-US"/>
           </a:p>
@@ -1886,7 +1887,7 @@
           <a:p>
             <a:fld id="{EFC4B33A-2464-4470-AD55-97675D6F2A0E}" type="datetimeFigureOut">
               <a:rPr lang="en-US" smtClean="0"/>
-              <a:t>11/30/2015</a:t>
+              <a:t>2/22/2017</a:t>
             </a:fld>
             <a:endParaRPr lang="en-US"/>
           </a:p>
@@ -1981,7 +1982,7 @@
           <a:p>
             <a:fld id="{EFC4B33A-2464-4470-AD55-97675D6F2A0E}" type="datetimeFigureOut">
               <a:rPr lang="en-US" smtClean="0"/>
-              <a:t>11/30/2015</a:t>
+              <a:t>2/22/2017</a:t>
             </a:fld>
             <a:endParaRPr lang="en-US"/>
           </a:p>
@@ -2258,7 +2259,7 @@
           <a:p>
             <a:fld id="{EFC4B33A-2464-4470-AD55-97675D6F2A0E}" type="datetimeFigureOut">
               <a:rPr lang="en-US" smtClean="0"/>
-              <a:t>11/30/2015</a:t>
+              <a:t>2/22/2017</a:t>
             </a:fld>
             <a:endParaRPr lang="en-US"/>
           </a:p>
@@ -2511,7 +2512,7 @@
           <a:p>
             <a:fld id="{EFC4B33A-2464-4470-AD55-97675D6F2A0E}" type="datetimeFigureOut">
               <a:rPr lang="en-US" smtClean="0"/>
-              <a:t>11/30/2015</a:t>
+              <a:t>2/22/2017</a:t>
             </a:fld>
             <a:endParaRPr lang="en-US"/>
           </a:p>
@@ -2724,7 +2725,7 @@
           <a:p>
             <a:fld id="{EFC4B33A-2464-4470-AD55-97675D6F2A0E}" type="datetimeFigureOut">
               <a:rPr lang="en-US" smtClean="0"/>
-              <a:t>11/30/2015</a:t>
+              <a:t>2/22/2017</a:t>
             </a:fld>
             <a:endParaRPr lang="en-US"/>
           </a:p>
@@ -5348,7 +5349,7 @@
           <a:graphicData uri="http://schemas.openxmlformats.org/presentationml/2006/ole">
             <mc:AlternateContent xmlns:mc="http://schemas.openxmlformats.org/markup-compatibility/2006">
               <mc:Choice xmlns:v="urn:schemas-microsoft-com:vml" Requires="v">
-                <p:oleObj spid="_x0000_s1086" name="Equation" r:id="rId3" imgW="164880" imgH="177480" progId="Equation.DSMT4">
+                <p:oleObj spid="_x0000_s1098" name="Equation" r:id="rId3" imgW="164880" imgH="177480" progId="Equation.DSMT4">
                   <p:embed/>
                 </p:oleObj>
               </mc:Choice>
@@ -5405,7 +5406,7 @@
           <a:graphicData uri="http://schemas.openxmlformats.org/presentationml/2006/ole">
             <mc:AlternateContent xmlns:mc="http://schemas.openxmlformats.org/markup-compatibility/2006">
               <mc:Choice xmlns:v="urn:schemas-microsoft-com:vml" Requires="v">
-                <p:oleObj spid="_x0000_s1087" name="Equation" r:id="rId5" imgW="126720" imgH="114120" progId="Equation.DSMT4">
+                <p:oleObj spid="_x0000_s1099" name="Equation" r:id="rId5" imgW="126720" imgH="114120" progId="Equation.DSMT4">
                   <p:embed/>
                 </p:oleObj>
               </mc:Choice>
@@ -6043,7 +6044,7 @@
           <a:graphicData uri="http://schemas.openxmlformats.org/presentationml/2006/ole">
             <mc:AlternateContent xmlns:mc="http://schemas.openxmlformats.org/markup-compatibility/2006">
               <mc:Choice xmlns:v="urn:schemas-microsoft-com:vml" Requires="v">
-                <p:oleObj spid="_x0000_s1088" name="Equation" r:id="rId7" imgW="3593880" imgH="177480" progId="Equation.DSMT4">
+                <p:oleObj spid="_x0000_s1100" name="Equation" r:id="rId7" imgW="3593880" imgH="177480" progId="Equation.DSMT4">
                   <p:embed/>
                 </p:oleObj>
               </mc:Choice>
@@ -6100,7 +6101,7 @@
           <a:graphicData uri="http://schemas.openxmlformats.org/presentationml/2006/ole">
             <mc:AlternateContent xmlns:mc="http://schemas.openxmlformats.org/markup-compatibility/2006">
               <mc:Choice xmlns:v="urn:schemas-microsoft-com:vml" Requires="v">
-                <p:oleObj spid="_x0000_s1089" name="Equation" r:id="rId9" imgW="419040" imgH="203040" progId="Equation.DSMT4">
+                <p:oleObj spid="_x0000_s1101" name="Equation" r:id="rId9" imgW="419040" imgH="203040" progId="Equation.DSMT4">
                   <p:embed/>
                 </p:oleObj>
               </mc:Choice>
@@ -6157,7 +6158,7 @@
           <a:graphicData uri="http://schemas.openxmlformats.org/presentationml/2006/ole">
             <mc:AlternateContent xmlns:mc="http://schemas.openxmlformats.org/markup-compatibility/2006">
               <mc:Choice xmlns:v="urn:schemas-microsoft-com:vml" Requires="v">
-                <p:oleObj spid="_x0000_s1090" name="Equation" r:id="rId11" imgW="457200" imgH="177480" progId="Equation.DSMT4">
+                <p:oleObj spid="_x0000_s1102" name="Equation" r:id="rId11" imgW="457200" imgH="177480" progId="Equation.DSMT4">
                   <p:embed/>
                 </p:oleObj>
               </mc:Choice>
@@ -6214,7 +6215,7 @@
           <a:graphicData uri="http://schemas.openxmlformats.org/presentationml/2006/ole">
             <mc:AlternateContent xmlns:mc="http://schemas.openxmlformats.org/markup-compatibility/2006">
               <mc:Choice xmlns:v="urn:schemas-microsoft-com:vml" Requires="v">
-                <p:oleObj spid="_x0000_s1091" name="Equation" r:id="rId13" imgW="812520" imgH="203040" progId="Equation.DSMT4">
+                <p:oleObj spid="_x0000_s1103" name="Equation" r:id="rId13" imgW="812520" imgH="203040" progId="Equation.DSMT4">
                   <p:embed/>
                 </p:oleObj>
               </mc:Choice>
@@ -7126,7 +7127,7 @@
           <a:graphicData uri="http://schemas.openxmlformats.org/presentationml/2006/ole">
             <mc:AlternateContent xmlns:mc="http://schemas.openxmlformats.org/markup-compatibility/2006">
               <mc:Choice xmlns:v="urn:schemas-microsoft-com:vml" Requires="v">
-                <p:oleObj spid="_x0000_s2073" name="Equation" r:id="rId3" imgW="164880" imgH="177480" progId="Equation.DSMT4">
+                <p:oleObj spid="_x0000_s2085" name="Equation" r:id="rId3" imgW="164880" imgH="177480" progId="Equation.DSMT4">
                   <p:embed/>
                 </p:oleObj>
               </mc:Choice>
@@ -7183,7 +7184,7 @@
           <a:graphicData uri="http://schemas.openxmlformats.org/presentationml/2006/ole">
             <mc:AlternateContent xmlns:mc="http://schemas.openxmlformats.org/markup-compatibility/2006">
               <mc:Choice xmlns:v="urn:schemas-microsoft-com:vml" Requires="v">
-                <p:oleObj spid="_x0000_s2074" name="Equation" r:id="rId5" imgW="126720" imgH="114120" progId="Equation.DSMT4">
+                <p:oleObj spid="_x0000_s2086" name="Equation" r:id="rId5" imgW="126720" imgH="114120" progId="Equation.DSMT4">
                   <p:embed/>
                 </p:oleObj>
               </mc:Choice>
@@ -7266,7 +7267,7 @@
           <a:graphicData uri="http://schemas.openxmlformats.org/presentationml/2006/ole">
             <mc:AlternateContent xmlns:mc="http://schemas.openxmlformats.org/markup-compatibility/2006">
               <mc:Choice xmlns:v="urn:schemas-microsoft-com:vml" Requires="v">
-                <p:oleObj spid="_x0000_s2075" name="Equation" r:id="rId7" imgW="3593880" imgH="177480" progId="Equation.DSMT4">
+                <p:oleObj spid="_x0000_s2087" name="Equation" r:id="rId7" imgW="3593880" imgH="177480" progId="Equation.DSMT4">
                   <p:embed/>
                 </p:oleObj>
               </mc:Choice>
@@ -7323,7 +7324,7 @@
           <a:graphicData uri="http://schemas.openxmlformats.org/presentationml/2006/ole">
             <mc:AlternateContent xmlns:mc="http://schemas.openxmlformats.org/markup-compatibility/2006">
               <mc:Choice xmlns:v="urn:schemas-microsoft-com:vml" Requires="v">
-                <p:oleObj spid="_x0000_s2076" name="Equation" r:id="rId9" imgW="419040" imgH="203040" progId="Equation.DSMT4">
+                <p:oleObj spid="_x0000_s2088" name="Equation" r:id="rId9" imgW="419040" imgH="203040" progId="Equation.DSMT4">
                   <p:embed/>
                 </p:oleObj>
               </mc:Choice>
@@ -7380,7 +7381,7 @@
           <a:graphicData uri="http://schemas.openxmlformats.org/presentationml/2006/ole">
             <mc:AlternateContent xmlns:mc="http://schemas.openxmlformats.org/markup-compatibility/2006">
               <mc:Choice xmlns:v="urn:schemas-microsoft-com:vml" Requires="v">
-                <p:oleObj spid="_x0000_s2077" name="Equation" r:id="rId11" imgW="457200" imgH="177480" progId="Equation.DSMT4">
+                <p:oleObj spid="_x0000_s2089" name="Equation" r:id="rId11" imgW="457200" imgH="177480" progId="Equation.DSMT4">
                   <p:embed/>
                 </p:oleObj>
               </mc:Choice>
@@ -7437,7 +7438,7 @@
           <a:graphicData uri="http://schemas.openxmlformats.org/presentationml/2006/ole">
             <mc:AlternateContent xmlns:mc="http://schemas.openxmlformats.org/markup-compatibility/2006">
               <mc:Choice xmlns:v="urn:schemas-microsoft-com:vml" Requires="v">
-                <p:oleObj spid="_x0000_s2078" name="Equation" r:id="rId13" imgW="812520" imgH="203040" progId="Equation.DSMT4">
+                <p:oleObj spid="_x0000_s2090" name="Equation" r:id="rId13" imgW="812520" imgH="203040" progId="Equation.DSMT4">
                   <p:embed/>
                 </p:oleObj>
               </mc:Choice>
@@ -14556,6 +14557,3436 @@
 </p:sld>
 </file>
 
+<file path=ppt/slides/slide6.xml><?xml version="1.0" encoding="utf-8"?>
+<p:sld xmlns:a="http://schemas.openxmlformats.org/drawingml/2006/main" xmlns:r="http://schemas.openxmlformats.org/officeDocument/2006/relationships" xmlns:p="http://schemas.openxmlformats.org/presentationml/2006/main">
+  <p:cSld>
+    <p:spTree>
+      <p:nvGrpSpPr>
+        <p:cNvPr id="1" name=""/>
+        <p:cNvGrpSpPr/>
+        <p:nvPr/>
+      </p:nvGrpSpPr>
+      <p:grpSpPr>
+        <a:xfrm>
+          <a:off x="0" y="0"/>
+          <a:ext cx="0" cy="0"/>
+          <a:chOff x="0" y="0"/>
+          <a:chExt cx="0" cy="0"/>
+        </a:xfrm>
+      </p:grpSpPr>
+      <p:grpSp>
+        <p:nvGrpSpPr>
+          <p:cNvPr id="13" name="组合 12"/>
+          <p:cNvGrpSpPr/>
+          <p:nvPr/>
+        </p:nvGrpSpPr>
+        <p:grpSpPr>
+          <a:xfrm>
+            <a:off x="2209800" y="3810000"/>
+            <a:ext cx="2590800" cy="381000"/>
+            <a:chOff x="609600" y="2743200"/>
+            <a:chExt cx="2590800" cy="381000"/>
+          </a:xfrm>
+        </p:grpSpPr>
+        <p:sp>
+          <p:nvSpPr>
+            <p:cNvPr id="4" name="矩形 3"/>
+            <p:cNvSpPr/>
+            <p:nvPr/>
+          </p:nvSpPr>
+          <p:spPr>
+            <a:xfrm>
+              <a:off x="609600" y="2743200"/>
+              <a:ext cx="2590800" cy="381000"/>
+            </a:xfrm>
+            <a:prstGeom prst="rect">
+              <a:avLst/>
+            </a:prstGeom>
+            <a:noFill/>
+            <a:ln>
+              <a:solidFill>
+                <a:schemeClr val="tx1"/>
+              </a:solidFill>
+            </a:ln>
+          </p:spPr>
+          <p:style>
+            <a:lnRef idx="2">
+              <a:schemeClr val="accent1">
+                <a:shade val="50000"/>
+              </a:schemeClr>
+            </a:lnRef>
+            <a:fillRef idx="1">
+              <a:schemeClr val="accent1"/>
+            </a:fillRef>
+            <a:effectRef idx="0">
+              <a:schemeClr val="accent1"/>
+            </a:effectRef>
+            <a:fontRef idx="minor">
+              <a:schemeClr val="lt1"/>
+            </a:fontRef>
+          </p:style>
+          <p:txBody>
+            <a:bodyPr rtlCol="0" anchor="ctr"/>
+            <a:lstStyle/>
+            <a:p>
+              <a:pPr algn="ctr"/>
+              <a:endParaRPr lang="zh-CN" altLang="en-US"/>
+            </a:p>
+          </p:txBody>
+        </p:sp>
+        <p:sp>
+          <p:nvSpPr>
+            <p:cNvPr id="5" name="椭圆 4"/>
+            <p:cNvSpPr/>
+            <p:nvPr/>
+          </p:nvSpPr>
+          <p:spPr>
+            <a:xfrm>
+              <a:off x="685800" y="2819400"/>
+              <a:ext cx="228600" cy="228600"/>
+            </a:xfrm>
+            <a:prstGeom prst="ellipse">
+              <a:avLst/>
+            </a:prstGeom>
+            <a:noFill/>
+            <a:ln>
+              <a:solidFill>
+                <a:schemeClr val="tx1"/>
+              </a:solidFill>
+            </a:ln>
+          </p:spPr>
+          <p:style>
+            <a:lnRef idx="2">
+              <a:schemeClr val="accent1">
+                <a:shade val="50000"/>
+              </a:schemeClr>
+            </a:lnRef>
+            <a:fillRef idx="1">
+              <a:schemeClr val="accent1"/>
+            </a:fillRef>
+            <a:effectRef idx="0">
+              <a:schemeClr val="accent1"/>
+            </a:effectRef>
+            <a:fontRef idx="minor">
+              <a:schemeClr val="lt1"/>
+            </a:fontRef>
+          </p:style>
+          <p:txBody>
+            <a:bodyPr rtlCol="0" anchor="ctr"/>
+            <a:lstStyle/>
+            <a:p>
+              <a:pPr algn="ctr"/>
+              <a:endParaRPr lang="zh-CN" altLang="en-US"/>
+            </a:p>
+          </p:txBody>
+        </p:sp>
+        <p:sp>
+          <p:nvSpPr>
+            <p:cNvPr id="6" name="椭圆 5"/>
+            <p:cNvSpPr/>
+            <p:nvPr/>
+          </p:nvSpPr>
+          <p:spPr>
+            <a:xfrm>
+              <a:off x="990600" y="2819400"/>
+              <a:ext cx="228600" cy="228600"/>
+            </a:xfrm>
+            <a:prstGeom prst="ellipse">
+              <a:avLst/>
+            </a:prstGeom>
+            <a:noFill/>
+            <a:ln>
+              <a:solidFill>
+                <a:schemeClr val="tx1"/>
+              </a:solidFill>
+            </a:ln>
+          </p:spPr>
+          <p:style>
+            <a:lnRef idx="2">
+              <a:schemeClr val="accent1">
+                <a:shade val="50000"/>
+              </a:schemeClr>
+            </a:lnRef>
+            <a:fillRef idx="1">
+              <a:schemeClr val="accent1"/>
+            </a:fillRef>
+            <a:effectRef idx="0">
+              <a:schemeClr val="accent1"/>
+            </a:effectRef>
+            <a:fontRef idx="minor">
+              <a:schemeClr val="lt1"/>
+            </a:fontRef>
+          </p:style>
+          <p:txBody>
+            <a:bodyPr rtlCol="0" anchor="ctr"/>
+            <a:lstStyle/>
+            <a:p>
+              <a:pPr algn="ctr"/>
+              <a:endParaRPr lang="zh-CN" altLang="en-US"/>
+            </a:p>
+          </p:txBody>
+        </p:sp>
+        <p:sp>
+          <p:nvSpPr>
+            <p:cNvPr id="7" name="椭圆 6"/>
+            <p:cNvSpPr/>
+            <p:nvPr/>
+          </p:nvSpPr>
+          <p:spPr>
+            <a:xfrm>
+              <a:off x="1295400" y="2819400"/>
+              <a:ext cx="228600" cy="228600"/>
+            </a:xfrm>
+            <a:prstGeom prst="ellipse">
+              <a:avLst/>
+            </a:prstGeom>
+            <a:noFill/>
+            <a:ln>
+              <a:solidFill>
+                <a:schemeClr val="tx1"/>
+              </a:solidFill>
+            </a:ln>
+          </p:spPr>
+          <p:style>
+            <a:lnRef idx="2">
+              <a:schemeClr val="accent1">
+                <a:shade val="50000"/>
+              </a:schemeClr>
+            </a:lnRef>
+            <a:fillRef idx="1">
+              <a:schemeClr val="accent1"/>
+            </a:fillRef>
+            <a:effectRef idx="0">
+              <a:schemeClr val="accent1"/>
+            </a:effectRef>
+            <a:fontRef idx="minor">
+              <a:schemeClr val="lt1"/>
+            </a:fontRef>
+          </p:style>
+          <p:txBody>
+            <a:bodyPr rtlCol="0" anchor="ctr"/>
+            <a:lstStyle/>
+            <a:p>
+              <a:pPr algn="ctr"/>
+              <a:endParaRPr lang="zh-CN" altLang="en-US"/>
+            </a:p>
+          </p:txBody>
+        </p:sp>
+        <p:sp>
+          <p:nvSpPr>
+            <p:cNvPr id="8" name="椭圆 7"/>
+            <p:cNvSpPr/>
+            <p:nvPr/>
+          </p:nvSpPr>
+          <p:spPr>
+            <a:xfrm>
+              <a:off x="1639824" y="2819400"/>
+              <a:ext cx="228600" cy="228600"/>
+            </a:xfrm>
+            <a:prstGeom prst="ellipse">
+              <a:avLst/>
+            </a:prstGeom>
+            <a:noFill/>
+            <a:ln>
+              <a:solidFill>
+                <a:schemeClr val="tx1"/>
+              </a:solidFill>
+            </a:ln>
+          </p:spPr>
+          <p:style>
+            <a:lnRef idx="2">
+              <a:schemeClr val="accent1">
+                <a:shade val="50000"/>
+              </a:schemeClr>
+            </a:lnRef>
+            <a:fillRef idx="1">
+              <a:schemeClr val="accent1"/>
+            </a:fillRef>
+            <a:effectRef idx="0">
+              <a:schemeClr val="accent1"/>
+            </a:effectRef>
+            <a:fontRef idx="minor">
+              <a:schemeClr val="lt1"/>
+            </a:fontRef>
+          </p:style>
+          <p:txBody>
+            <a:bodyPr rtlCol="0" anchor="ctr"/>
+            <a:lstStyle/>
+            <a:p>
+              <a:pPr algn="ctr"/>
+              <a:endParaRPr lang="zh-CN" altLang="en-US"/>
+            </a:p>
+          </p:txBody>
+        </p:sp>
+        <p:sp>
+          <p:nvSpPr>
+            <p:cNvPr id="9" name="椭圆 8"/>
+            <p:cNvSpPr/>
+            <p:nvPr/>
+          </p:nvSpPr>
+          <p:spPr>
+            <a:xfrm>
+              <a:off x="1944624" y="2819400"/>
+              <a:ext cx="228600" cy="228600"/>
+            </a:xfrm>
+            <a:prstGeom prst="ellipse">
+              <a:avLst/>
+            </a:prstGeom>
+            <a:noFill/>
+            <a:ln>
+              <a:solidFill>
+                <a:schemeClr val="tx1"/>
+              </a:solidFill>
+            </a:ln>
+          </p:spPr>
+          <p:style>
+            <a:lnRef idx="2">
+              <a:schemeClr val="accent1">
+                <a:shade val="50000"/>
+              </a:schemeClr>
+            </a:lnRef>
+            <a:fillRef idx="1">
+              <a:schemeClr val="accent1"/>
+            </a:fillRef>
+            <a:effectRef idx="0">
+              <a:schemeClr val="accent1"/>
+            </a:effectRef>
+            <a:fontRef idx="minor">
+              <a:schemeClr val="lt1"/>
+            </a:fontRef>
+          </p:style>
+          <p:txBody>
+            <a:bodyPr rtlCol="0" anchor="ctr"/>
+            <a:lstStyle/>
+            <a:p>
+              <a:pPr algn="ctr"/>
+              <a:endParaRPr lang="zh-CN" altLang="en-US"/>
+            </a:p>
+          </p:txBody>
+        </p:sp>
+        <p:sp>
+          <p:nvSpPr>
+            <p:cNvPr id="10" name="椭圆 9"/>
+            <p:cNvSpPr/>
+            <p:nvPr/>
+          </p:nvSpPr>
+          <p:spPr>
+            <a:xfrm>
+              <a:off x="2249424" y="2819400"/>
+              <a:ext cx="228600" cy="228600"/>
+            </a:xfrm>
+            <a:prstGeom prst="ellipse">
+              <a:avLst/>
+            </a:prstGeom>
+            <a:noFill/>
+            <a:ln>
+              <a:solidFill>
+                <a:schemeClr val="tx1"/>
+              </a:solidFill>
+            </a:ln>
+          </p:spPr>
+          <p:style>
+            <a:lnRef idx="2">
+              <a:schemeClr val="accent1">
+                <a:shade val="50000"/>
+              </a:schemeClr>
+            </a:lnRef>
+            <a:fillRef idx="1">
+              <a:schemeClr val="accent1"/>
+            </a:fillRef>
+            <a:effectRef idx="0">
+              <a:schemeClr val="accent1"/>
+            </a:effectRef>
+            <a:fontRef idx="minor">
+              <a:schemeClr val="lt1"/>
+            </a:fontRef>
+          </p:style>
+          <p:txBody>
+            <a:bodyPr rtlCol="0" anchor="ctr"/>
+            <a:lstStyle/>
+            <a:p>
+              <a:pPr algn="ctr"/>
+              <a:endParaRPr lang="zh-CN" altLang="en-US"/>
+            </a:p>
+          </p:txBody>
+        </p:sp>
+        <p:sp>
+          <p:nvSpPr>
+            <p:cNvPr id="11" name="椭圆 10"/>
+            <p:cNvSpPr/>
+            <p:nvPr/>
+          </p:nvSpPr>
+          <p:spPr>
+            <a:xfrm>
+              <a:off x="2551176" y="2819400"/>
+              <a:ext cx="228600" cy="228600"/>
+            </a:xfrm>
+            <a:prstGeom prst="ellipse">
+              <a:avLst/>
+            </a:prstGeom>
+            <a:noFill/>
+            <a:ln>
+              <a:solidFill>
+                <a:schemeClr val="tx1"/>
+              </a:solidFill>
+            </a:ln>
+          </p:spPr>
+          <p:style>
+            <a:lnRef idx="2">
+              <a:schemeClr val="accent1">
+                <a:shade val="50000"/>
+              </a:schemeClr>
+            </a:lnRef>
+            <a:fillRef idx="1">
+              <a:schemeClr val="accent1"/>
+            </a:fillRef>
+            <a:effectRef idx="0">
+              <a:schemeClr val="accent1"/>
+            </a:effectRef>
+            <a:fontRef idx="minor">
+              <a:schemeClr val="lt1"/>
+            </a:fontRef>
+          </p:style>
+          <p:txBody>
+            <a:bodyPr rtlCol="0" anchor="ctr"/>
+            <a:lstStyle/>
+            <a:p>
+              <a:pPr algn="ctr"/>
+              <a:endParaRPr lang="zh-CN" altLang="en-US"/>
+            </a:p>
+          </p:txBody>
+        </p:sp>
+        <p:sp>
+          <p:nvSpPr>
+            <p:cNvPr id="12" name="椭圆 11"/>
+            <p:cNvSpPr/>
+            <p:nvPr/>
+          </p:nvSpPr>
+          <p:spPr>
+            <a:xfrm>
+              <a:off x="2855976" y="2819400"/>
+              <a:ext cx="228600" cy="228600"/>
+            </a:xfrm>
+            <a:prstGeom prst="ellipse">
+              <a:avLst/>
+            </a:prstGeom>
+            <a:noFill/>
+            <a:ln>
+              <a:solidFill>
+                <a:schemeClr val="tx1"/>
+              </a:solidFill>
+            </a:ln>
+          </p:spPr>
+          <p:style>
+            <a:lnRef idx="2">
+              <a:schemeClr val="accent1">
+                <a:shade val="50000"/>
+              </a:schemeClr>
+            </a:lnRef>
+            <a:fillRef idx="1">
+              <a:schemeClr val="accent1"/>
+            </a:fillRef>
+            <a:effectRef idx="0">
+              <a:schemeClr val="accent1"/>
+            </a:effectRef>
+            <a:fontRef idx="minor">
+              <a:schemeClr val="lt1"/>
+            </a:fontRef>
+          </p:style>
+          <p:txBody>
+            <a:bodyPr rtlCol="0" anchor="ctr"/>
+            <a:lstStyle/>
+            <a:p>
+              <a:pPr algn="ctr"/>
+              <a:endParaRPr lang="zh-CN" altLang="en-US"/>
+            </a:p>
+          </p:txBody>
+        </p:sp>
+      </p:grpSp>
+      <p:grpSp>
+        <p:nvGrpSpPr>
+          <p:cNvPr id="14" name="组合 13"/>
+          <p:cNvGrpSpPr/>
+          <p:nvPr/>
+        </p:nvGrpSpPr>
+        <p:grpSpPr>
+          <a:xfrm>
+            <a:off x="2209800" y="4800600"/>
+            <a:ext cx="2590800" cy="381000"/>
+            <a:chOff x="609600" y="2743200"/>
+            <a:chExt cx="2590800" cy="381000"/>
+          </a:xfrm>
+        </p:grpSpPr>
+        <p:sp>
+          <p:nvSpPr>
+            <p:cNvPr id="15" name="矩形 14"/>
+            <p:cNvSpPr/>
+            <p:nvPr/>
+          </p:nvSpPr>
+          <p:spPr>
+            <a:xfrm>
+              <a:off x="609600" y="2743200"/>
+              <a:ext cx="2590800" cy="381000"/>
+            </a:xfrm>
+            <a:prstGeom prst="rect">
+              <a:avLst/>
+            </a:prstGeom>
+            <a:noFill/>
+            <a:ln>
+              <a:solidFill>
+                <a:schemeClr val="tx1"/>
+              </a:solidFill>
+            </a:ln>
+          </p:spPr>
+          <p:style>
+            <a:lnRef idx="2">
+              <a:schemeClr val="accent1">
+                <a:shade val="50000"/>
+              </a:schemeClr>
+            </a:lnRef>
+            <a:fillRef idx="1">
+              <a:schemeClr val="accent1"/>
+            </a:fillRef>
+            <a:effectRef idx="0">
+              <a:schemeClr val="accent1"/>
+            </a:effectRef>
+            <a:fontRef idx="minor">
+              <a:schemeClr val="lt1"/>
+            </a:fontRef>
+          </p:style>
+          <p:txBody>
+            <a:bodyPr rtlCol="0" anchor="ctr"/>
+            <a:lstStyle/>
+            <a:p>
+              <a:pPr algn="ctr"/>
+              <a:endParaRPr lang="zh-CN" altLang="en-US"/>
+            </a:p>
+          </p:txBody>
+        </p:sp>
+        <p:sp>
+          <p:nvSpPr>
+            <p:cNvPr id="16" name="椭圆 15"/>
+            <p:cNvSpPr/>
+            <p:nvPr/>
+          </p:nvSpPr>
+          <p:spPr>
+            <a:xfrm>
+              <a:off x="685800" y="2819400"/>
+              <a:ext cx="228600" cy="228600"/>
+            </a:xfrm>
+            <a:prstGeom prst="ellipse">
+              <a:avLst/>
+            </a:prstGeom>
+            <a:noFill/>
+            <a:ln>
+              <a:solidFill>
+                <a:schemeClr val="tx1"/>
+              </a:solidFill>
+            </a:ln>
+          </p:spPr>
+          <p:style>
+            <a:lnRef idx="2">
+              <a:schemeClr val="accent1">
+                <a:shade val="50000"/>
+              </a:schemeClr>
+            </a:lnRef>
+            <a:fillRef idx="1">
+              <a:schemeClr val="accent1"/>
+            </a:fillRef>
+            <a:effectRef idx="0">
+              <a:schemeClr val="accent1"/>
+            </a:effectRef>
+            <a:fontRef idx="minor">
+              <a:schemeClr val="lt1"/>
+            </a:fontRef>
+          </p:style>
+          <p:txBody>
+            <a:bodyPr rtlCol="0" anchor="ctr"/>
+            <a:lstStyle/>
+            <a:p>
+              <a:pPr algn="ctr"/>
+              <a:endParaRPr lang="zh-CN" altLang="en-US"/>
+            </a:p>
+          </p:txBody>
+        </p:sp>
+        <p:sp>
+          <p:nvSpPr>
+            <p:cNvPr id="17" name="椭圆 16"/>
+            <p:cNvSpPr/>
+            <p:nvPr/>
+          </p:nvSpPr>
+          <p:spPr>
+            <a:xfrm>
+              <a:off x="990600" y="2819400"/>
+              <a:ext cx="228600" cy="228600"/>
+            </a:xfrm>
+            <a:prstGeom prst="ellipse">
+              <a:avLst/>
+            </a:prstGeom>
+            <a:noFill/>
+            <a:ln>
+              <a:solidFill>
+                <a:schemeClr val="tx1"/>
+              </a:solidFill>
+            </a:ln>
+          </p:spPr>
+          <p:style>
+            <a:lnRef idx="2">
+              <a:schemeClr val="accent1">
+                <a:shade val="50000"/>
+              </a:schemeClr>
+            </a:lnRef>
+            <a:fillRef idx="1">
+              <a:schemeClr val="accent1"/>
+            </a:fillRef>
+            <a:effectRef idx="0">
+              <a:schemeClr val="accent1"/>
+            </a:effectRef>
+            <a:fontRef idx="minor">
+              <a:schemeClr val="lt1"/>
+            </a:fontRef>
+          </p:style>
+          <p:txBody>
+            <a:bodyPr rtlCol="0" anchor="ctr"/>
+            <a:lstStyle/>
+            <a:p>
+              <a:pPr algn="ctr"/>
+              <a:endParaRPr lang="zh-CN" altLang="en-US"/>
+            </a:p>
+          </p:txBody>
+        </p:sp>
+        <p:sp>
+          <p:nvSpPr>
+            <p:cNvPr id="18" name="椭圆 17"/>
+            <p:cNvSpPr/>
+            <p:nvPr/>
+          </p:nvSpPr>
+          <p:spPr>
+            <a:xfrm>
+              <a:off x="1295400" y="2819400"/>
+              <a:ext cx="228600" cy="228600"/>
+            </a:xfrm>
+            <a:prstGeom prst="ellipse">
+              <a:avLst/>
+            </a:prstGeom>
+            <a:noFill/>
+            <a:ln>
+              <a:solidFill>
+                <a:schemeClr val="tx1"/>
+              </a:solidFill>
+            </a:ln>
+          </p:spPr>
+          <p:style>
+            <a:lnRef idx="2">
+              <a:schemeClr val="accent1">
+                <a:shade val="50000"/>
+              </a:schemeClr>
+            </a:lnRef>
+            <a:fillRef idx="1">
+              <a:schemeClr val="accent1"/>
+            </a:fillRef>
+            <a:effectRef idx="0">
+              <a:schemeClr val="accent1"/>
+            </a:effectRef>
+            <a:fontRef idx="minor">
+              <a:schemeClr val="lt1"/>
+            </a:fontRef>
+          </p:style>
+          <p:txBody>
+            <a:bodyPr rtlCol="0" anchor="ctr"/>
+            <a:lstStyle/>
+            <a:p>
+              <a:pPr algn="ctr"/>
+              <a:endParaRPr lang="zh-CN" altLang="en-US"/>
+            </a:p>
+          </p:txBody>
+        </p:sp>
+        <p:sp>
+          <p:nvSpPr>
+            <p:cNvPr id="19" name="椭圆 18"/>
+            <p:cNvSpPr/>
+            <p:nvPr/>
+          </p:nvSpPr>
+          <p:spPr>
+            <a:xfrm>
+              <a:off x="1639824" y="2819400"/>
+              <a:ext cx="228600" cy="228600"/>
+            </a:xfrm>
+            <a:prstGeom prst="ellipse">
+              <a:avLst/>
+            </a:prstGeom>
+            <a:noFill/>
+            <a:ln>
+              <a:solidFill>
+                <a:schemeClr val="tx1"/>
+              </a:solidFill>
+            </a:ln>
+          </p:spPr>
+          <p:style>
+            <a:lnRef idx="2">
+              <a:schemeClr val="accent1">
+                <a:shade val="50000"/>
+              </a:schemeClr>
+            </a:lnRef>
+            <a:fillRef idx="1">
+              <a:schemeClr val="accent1"/>
+            </a:fillRef>
+            <a:effectRef idx="0">
+              <a:schemeClr val="accent1"/>
+            </a:effectRef>
+            <a:fontRef idx="minor">
+              <a:schemeClr val="lt1"/>
+            </a:fontRef>
+          </p:style>
+          <p:txBody>
+            <a:bodyPr rtlCol="0" anchor="ctr"/>
+            <a:lstStyle/>
+            <a:p>
+              <a:pPr algn="ctr"/>
+              <a:endParaRPr lang="zh-CN" altLang="en-US"/>
+            </a:p>
+          </p:txBody>
+        </p:sp>
+        <p:sp>
+          <p:nvSpPr>
+            <p:cNvPr id="20" name="椭圆 19"/>
+            <p:cNvSpPr/>
+            <p:nvPr/>
+          </p:nvSpPr>
+          <p:spPr>
+            <a:xfrm>
+              <a:off x="1944624" y="2819400"/>
+              <a:ext cx="228600" cy="228600"/>
+            </a:xfrm>
+            <a:prstGeom prst="ellipse">
+              <a:avLst/>
+            </a:prstGeom>
+            <a:noFill/>
+            <a:ln>
+              <a:solidFill>
+                <a:schemeClr val="tx1"/>
+              </a:solidFill>
+            </a:ln>
+          </p:spPr>
+          <p:style>
+            <a:lnRef idx="2">
+              <a:schemeClr val="accent1">
+                <a:shade val="50000"/>
+              </a:schemeClr>
+            </a:lnRef>
+            <a:fillRef idx="1">
+              <a:schemeClr val="accent1"/>
+            </a:fillRef>
+            <a:effectRef idx="0">
+              <a:schemeClr val="accent1"/>
+            </a:effectRef>
+            <a:fontRef idx="minor">
+              <a:schemeClr val="lt1"/>
+            </a:fontRef>
+          </p:style>
+          <p:txBody>
+            <a:bodyPr rtlCol="0" anchor="ctr"/>
+            <a:lstStyle/>
+            <a:p>
+              <a:pPr algn="ctr"/>
+              <a:endParaRPr lang="zh-CN" altLang="en-US"/>
+            </a:p>
+          </p:txBody>
+        </p:sp>
+        <p:sp>
+          <p:nvSpPr>
+            <p:cNvPr id="21" name="椭圆 20"/>
+            <p:cNvSpPr/>
+            <p:nvPr/>
+          </p:nvSpPr>
+          <p:spPr>
+            <a:xfrm>
+              <a:off x="2249424" y="2819400"/>
+              <a:ext cx="228600" cy="228600"/>
+            </a:xfrm>
+            <a:prstGeom prst="ellipse">
+              <a:avLst/>
+            </a:prstGeom>
+            <a:noFill/>
+            <a:ln>
+              <a:solidFill>
+                <a:schemeClr val="tx1"/>
+              </a:solidFill>
+            </a:ln>
+          </p:spPr>
+          <p:style>
+            <a:lnRef idx="2">
+              <a:schemeClr val="accent1">
+                <a:shade val="50000"/>
+              </a:schemeClr>
+            </a:lnRef>
+            <a:fillRef idx="1">
+              <a:schemeClr val="accent1"/>
+            </a:fillRef>
+            <a:effectRef idx="0">
+              <a:schemeClr val="accent1"/>
+            </a:effectRef>
+            <a:fontRef idx="minor">
+              <a:schemeClr val="lt1"/>
+            </a:fontRef>
+          </p:style>
+          <p:txBody>
+            <a:bodyPr rtlCol="0" anchor="ctr"/>
+            <a:lstStyle/>
+            <a:p>
+              <a:pPr algn="ctr"/>
+              <a:endParaRPr lang="zh-CN" altLang="en-US"/>
+            </a:p>
+          </p:txBody>
+        </p:sp>
+        <p:sp>
+          <p:nvSpPr>
+            <p:cNvPr id="22" name="椭圆 21"/>
+            <p:cNvSpPr/>
+            <p:nvPr/>
+          </p:nvSpPr>
+          <p:spPr>
+            <a:xfrm>
+              <a:off x="2551176" y="2819400"/>
+              <a:ext cx="228600" cy="228600"/>
+            </a:xfrm>
+            <a:prstGeom prst="ellipse">
+              <a:avLst/>
+            </a:prstGeom>
+            <a:noFill/>
+            <a:ln>
+              <a:solidFill>
+                <a:schemeClr val="tx1"/>
+              </a:solidFill>
+            </a:ln>
+          </p:spPr>
+          <p:style>
+            <a:lnRef idx="2">
+              <a:schemeClr val="accent1">
+                <a:shade val="50000"/>
+              </a:schemeClr>
+            </a:lnRef>
+            <a:fillRef idx="1">
+              <a:schemeClr val="accent1"/>
+            </a:fillRef>
+            <a:effectRef idx="0">
+              <a:schemeClr val="accent1"/>
+            </a:effectRef>
+            <a:fontRef idx="minor">
+              <a:schemeClr val="lt1"/>
+            </a:fontRef>
+          </p:style>
+          <p:txBody>
+            <a:bodyPr rtlCol="0" anchor="ctr"/>
+            <a:lstStyle/>
+            <a:p>
+              <a:pPr algn="ctr"/>
+              <a:endParaRPr lang="zh-CN" altLang="en-US"/>
+            </a:p>
+          </p:txBody>
+        </p:sp>
+        <p:sp>
+          <p:nvSpPr>
+            <p:cNvPr id="23" name="椭圆 22"/>
+            <p:cNvSpPr/>
+            <p:nvPr/>
+          </p:nvSpPr>
+          <p:spPr>
+            <a:xfrm>
+              <a:off x="2855976" y="2819400"/>
+              <a:ext cx="228600" cy="228600"/>
+            </a:xfrm>
+            <a:prstGeom prst="ellipse">
+              <a:avLst/>
+            </a:prstGeom>
+            <a:noFill/>
+            <a:ln>
+              <a:solidFill>
+                <a:schemeClr val="tx1"/>
+              </a:solidFill>
+            </a:ln>
+          </p:spPr>
+          <p:style>
+            <a:lnRef idx="2">
+              <a:schemeClr val="accent1">
+                <a:shade val="50000"/>
+              </a:schemeClr>
+            </a:lnRef>
+            <a:fillRef idx="1">
+              <a:schemeClr val="accent1"/>
+            </a:fillRef>
+            <a:effectRef idx="0">
+              <a:schemeClr val="accent1"/>
+            </a:effectRef>
+            <a:fontRef idx="minor">
+              <a:schemeClr val="lt1"/>
+            </a:fontRef>
+          </p:style>
+          <p:txBody>
+            <a:bodyPr rtlCol="0" anchor="ctr"/>
+            <a:lstStyle/>
+            <a:p>
+              <a:pPr algn="ctr"/>
+              <a:endParaRPr lang="zh-CN" altLang="en-US"/>
+            </a:p>
+          </p:txBody>
+        </p:sp>
+      </p:grpSp>
+      <p:grpSp>
+        <p:nvGrpSpPr>
+          <p:cNvPr id="24" name="组合 23"/>
+          <p:cNvGrpSpPr/>
+          <p:nvPr/>
+        </p:nvGrpSpPr>
+        <p:grpSpPr>
+          <a:xfrm>
+            <a:off x="2209800" y="5791200"/>
+            <a:ext cx="2590800" cy="381000"/>
+            <a:chOff x="609600" y="2743200"/>
+            <a:chExt cx="2590800" cy="381000"/>
+          </a:xfrm>
+        </p:grpSpPr>
+        <p:sp>
+          <p:nvSpPr>
+            <p:cNvPr id="25" name="矩形 24"/>
+            <p:cNvSpPr/>
+            <p:nvPr/>
+          </p:nvSpPr>
+          <p:spPr>
+            <a:xfrm>
+              <a:off x="609600" y="2743200"/>
+              <a:ext cx="2590800" cy="381000"/>
+            </a:xfrm>
+            <a:prstGeom prst="rect">
+              <a:avLst/>
+            </a:prstGeom>
+            <a:noFill/>
+            <a:ln>
+              <a:solidFill>
+                <a:schemeClr val="tx1"/>
+              </a:solidFill>
+            </a:ln>
+          </p:spPr>
+          <p:style>
+            <a:lnRef idx="2">
+              <a:schemeClr val="accent1">
+                <a:shade val="50000"/>
+              </a:schemeClr>
+            </a:lnRef>
+            <a:fillRef idx="1">
+              <a:schemeClr val="accent1"/>
+            </a:fillRef>
+            <a:effectRef idx="0">
+              <a:schemeClr val="accent1"/>
+            </a:effectRef>
+            <a:fontRef idx="minor">
+              <a:schemeClr val="lt1"/>
+            </a:fontRef>
+          </p:style>
+          <p:txBody>
+            <a:bodyPr rtlCol="0" anchor="ctr"/>
+            <a:lstStyle/>
+            <a:p>
+              <a:pPr algn="ctr"/>
+              <a:endParaRPr lang="zh-CN" altLang="en-US"/>
+            </a:p>
+          </p:txBody>
+        </p:sp>
+        <p:sp>
+          <p:nvSpPr>
+            <p:cNvPr id="26" name="椭圆 25"/>
+            <p:cNvSpPr/>
+            <p:nvPr/>
+          </p:nvSpPr>
+          <p:spPr>
+            <a:xfrm>
+              <a:off x="685800" y="2819400"/>
+              <a:ext cx="228600" cy="228600"/>
+            </a:xfrm>
+            <a:prstGeom prst="ellipse">
+              <a:avLst/>
+            </a:prstGeom>
+            <a:noFill/>
+            <a:ln>
+              <a:solidFill>
+                <a:schemeClr val="tx1"/>
+              </a:solidFill>
+            </a:ln>
+          </p:spPr>
+          <p:style>
+            <a:lnRef idx="2">
+              <a:schemeClr val="accent1">
+                <a:shade val="50000"/>
+              </a:schemeClr>
+            </a:lnRef>
+            <a:fillRef idx="1">
+              <a:schemeClr val="accent1"/>
+            </a:fillRef>
+            <a:effectRef idx="0">
+              <a:schemeClr val="accent1"/>
+            </a:effectRef>
+            <a:fontRef idx="minor">
+              <a:schemeClr val="lt1"/>
+            </a:fontRef>
+          </p:style>
+          <p:txBody>
+            <a:bodyPr rtlCol="0" anchor="ctr"/>
+            <a:lstStyle/>
+            <a:p>
+              <a:pPr algn="ctr"/>
+              <a:endParaRPr lang="zh-CN" altLang="en-US"/>
+            </a:p>
+          </p:txBody>
+        </p:sp>
+        <p:sp>
+          <p:nvSpPr>
+            <p:cNvPr id="27" name="椭圆 26"/>
+            <p:cNvSpPr/>
+            <p:nvPr/>
+          </p:nvSpPr>
+          <p:spPr>
+            <a:xfrm>
+              <a:off x="990600" y="2819400"/>
+              <a:ext cx="228600" cy="228600"/>
+            </a:xfrm>
+            <a:prstGeom prst="ellipse">
+              <a:avLst/>
+            </a:prstGeom>
+            <a:noFill/>
+            <a:ln>
+              <a:solidFill>
+                <a:schemeClr val="tx1"/>
+              </a:solidFill>
+            </a:ln>
+          </p:spPr>
+          <p:style>
+            <a:lnRef idx="2">
+              <a:schemeClr val="accent1">
+                <a:shade val="50000"/>
+              </a:schemeClr>
+            </a:lnRef>
+            <a:fillRef idx="1">
+              <a:schemeClr val="accent1"/>
+            </a:fillRef>
+            <a:effectRef idx="0">
+              <a:schemeClr val="accent1"/>
+            </a:effectRef>
+            <a:fontRef idx="minor">
+              <a:schemeClr val="lt1"/>
+            </a:fontRef>
+          </p:style>
+          <p:txBody>
+            <a:bodyPr rtlCol="0" anchor="ctr"/>
+            <a:lstStyle/>
+            <a:p>
+              <a:pPr algn="ctr"/>
+              <a:endParaRPr lang="zh-CN" altLang="en-US"/>
+            </a:p>
+          </p:txBody>
+        </p:sp>
+        <p:sp>
+          <p:nvSpPr>
+            <p:cNvPr id="28" name="椭圆 27"/>
+            <p:cNvSpPr/>
+            <p:nvPr/>
+          </p:nvSpPr>
+          <p:spPr>
+            <a:xfrm>
+              <a:off x="1295400" y="2819400"/>
+              <a:ext cx="228600" cy="228600"/>
+            </a:xfrm>
+            <a:prstGeom prst="ellipse">
+              <a:avLst/>
+            </a:prstGeom>
+            <a:noFill/>
+            <a:ln>
+              <a:solidFill>
+                <a:schemeClr val="tx1"/>
+              </a:solidFill>
+            </a:ln>
+          </p:spPr>
+          <p:style>
+            <a:lnRef idx="2">
+              <a:schemeClr val="accent1">
+                <a:shade val="50000"/>
+              </a:schemeClr>
+            </a:lnRef>
+            <a:fillRef idx="1">
+              <a:schemeClr val="accent1"/>
+            </a:fillRef>
+            <a:effectRef idx="0">
+              <a:schemeClr val="accent1"/>
+            </a:effectRef>
+            <a:fontRef idx="minor">
+              <a:schemeClr val="lt1"/>
+            </a:fontRef>
+          </p:style>
+          <p:txBody>
+            <a:bodyPr rtlCol="0" anchor="ctr"/>
+            <a:lstStyle/>
+            <a:p>
+              <a:pPr algn="ctr"/>
+              <a:endParaRPr lang="zh-CN" altLang="en-US"/>
+            </a:p>
+          </p:txBody>
+        </p:sp>
+        <p:sp>
+          <p:nvSpPr>
+            <p:cNvPr id="29" name="椭圆 28"/>
+            <p:cNvSpPr/>
+            <p:nvPr/>
+          </p:nvSpPr>
+          <p:spPr>
+            <a:xfrm>
+              <a:off x="1639824" y="2819400"/>
+              <a:ext cx="228600" cy="228600"/>
+            </a:xfrm>
+            <a:prstGeom prst="ellipse">
+              <a:avLst/>
+            </a:prstGeom>
+            <a:noFill/>
+            <a:ln>
+              <a:solidFill>
+                <a:schemeClr val="tx1"/>
+              </a:solidFill>
+            </a:ln>
+          </p:spPr>
+          <p:style>
+            <a:lnRef idx="2">
+              <a:schemeClr val="accent1">
+                <a:shade val="50000"/>
+              </a:schemeClr>
+            </a:lnRef>
+            <a:fillRef idx="1">
+              <a:schemeClr val="accent1"/>
+            </a:fillRef>
+            <a:effectRef idx="0">
+              <a:schemeClr val="accent1"/>
+            </a:effectRef>
+            <a:fontRef idx="minor">
+              <a:schemeClr val="lt1"/>
+            </a:fontRef>
+          </p:style>
+          <p:txBody>
+            <a:bodyPr rtlCol="0" anchor="ctr"/>
+            <a:lstStyle/>
+            <a:p>
+              <a:pPr algn="ctr"/>
+              <a:endParaRPr lang="zh-CN" altLang="en-US"/>
+            </a:p>
+          </p:txBody>
+        </p:sp>
+        <p:sp>
+          <p:nvSpPr>
+            <p:cNvPr id="30" name="椭圆 29"/>
+            <p:cNvSpPr/>
+            <p:nvPr/>
+          </p:nvSpPr>
+          <p:spPr>
+            <a:xfrm>
+              <a:off x="1944624" y="2819400"/>
+              <a:ext cx="228600" cy="228600"/>
+            </a:xfrm>
+            <a:prstGeom prst="ellipse">
+              <a:avLst/>
+            </a:prstGeom>
+            <a:noFill/>
+            <a:ln>
+              <a:solidFill>
+                <a:schemeClr val="tx1"/>
+              </a:solidFill>
+            </a:ln>
+          </p:spPr>
+          <p:style>
+            <a:lnRef idx="2">
+              <a:schemeClr val="accent1">
+                <a:shade val="50000"/>
+              </a:schemeClr>
+            </a:lnRef>
+            <a:fillRef idx="1">
+              <a:schemeClr val="accent1"/>
+            </a:fillRef>
+            <a:effectRef idx="0">
+              <a:schemeClr val="accent1"/>
+            </a:effectRef>
+            <a:fontRef idx="minor">
+              <a:schemeClr val="lt1"/>
+            </a:fontRef>
+          </p:style>
+          <p:txBody>
+            <a:bodyPr rtlCol="0" anchor="ctr"/>
+            <a:lstStyle/>
+            <a:p>
+              <a:pPr algn="ctr"/>
+              <a:endParaRPr lang="zh-CN" altLang="en-US"/>
+            </a:p>
+          </p:txBody>
+        </p:sp>
+        <p:sp>
+          <p:nvSpPr>
+            <p:cNvPr id="31" name="椭圆 30"/>
+            <p:cNvSpPr/>
+            <p:nvPr/>
+          </p:nvSpPr>
+          <p:spPr>
+            <a:xfrm>
+              <a:off x="2249424" y="2819400"/>
+              <a:ext cx="228600" cy="228600"/>
+            </a:xfrm>
+            <a:prstGeom prst="ellipse">
+              <a:avLst/>
+            </a:prstGeom>
+            <a:noFill/>
+            <a:ln>
+              <a:solidFill>
+                <a:schemeClr val="tx1"/>
+              </a:solidFill>
+            </a:ln>
+          </p:spPr>
+          <p:style>
+            <a:lnRef idx="2">
+              <a:schemeClr val="accent1">
+                <a:shade val="50000"/>
+              </a:schemeClr>
+            </a:lnRef>
+            <a:fillRef idx="1">
+              <a:schemeClr val="accent1"/>
+            </a:fillRef>
+            <a:effectRef idx="0">
+              <a:schemeClr val="accent1"/>
+            </a:effectRef>
+            <a:fontRef idx="minor">
+              <a:schemeClr val="lt1"/>
+            </a:fontRef>
+          </p:style>
+          <p:txBody>
+            <a:bodyPr rtlCol="0" anchor="ctr"/>
+            <a:lstStyle/>
+            <a:p>
+              <a:pPr algn="ctr"/>
+              <a:endParaRPr lang="zh-CN" altLang="en-US"/>
+            </a:p>
+          </p:txBody>
+        </p:sp>
+        <p:sp>
+          <p:nvSpPr>
+            <p:cNvPr id="32" name="椭圆 31"/>
+            <p:cNvSpPr/>
+            <p:nvPr/>
+          </p:nvSpPr>
+          <p:spPr>
+            <a:xfrm>
+              <a:off x="2551176" y="2819400"/>
+              <a:ext cx="228600" cy="228600"/>
+            </a:xfrm>
+            <a:prstGeom prst="ellipse">
+              <a:avLst/>
+            </a:prstGeom>
+            <a:noFill/>
+            <a:ln>
+              <a:solidFill>
+                <a:schemeClr val="tx1"/>
+              </a:solidFill>
+            </a:ln>
+          </p:spPr>
+          <p:style>
+            <a:lnRef idx="2">
+              <a:schemeClr val="accent1">
+                <a:shade val="50000"/>
+              </a:schemeClr>
+            </a:lnRef>
+            <a:fillRef idx="1">
+              <a:schemeClr val="accent1"/>
+            </a:fillRef>
+            <a:effectRef idx="0">
+              <a:schemeClr val="accent1"/>
+            </a:effectRef>
+            <a:fontRef idx="minor">
+              <a:schemeClr val="lt1"/>
+            </a:fontRef>
+          </p:style>
+          <p:txBody>
+            <a:bodyPr rtlCol="0" anchor="ctr"/>
+            <a:lstStyle/>
+            <a:p>
+              <a:pPr algn="ctr"/>
+              <a:endParaRPr lang="zh-CN" altLang="en-US"/>
+            </a:p>
+          </p:txBody>
+        </p:sp>
+        <p:sp>
+          <p:nvSpPr>
+            <p:cNvPr id="33" name="椭圆 32"/>
+            <p:cNvSpPr/>
+            <p:nvPr/>
+          </p:nvSpPr>
+          <p:spPr>
+            <a:xfrm>
+              <a:off x="2855976" y="2819400"/>
+              <a:ext cx="228600" cy="228600"/>
+            </a:xfrm>
+            <a:prstGeom prst="ellipse">
+              <a:avLst/>
+            </a:prstGeom>
+            <a:noFill/>
+            <a:ln>
+              <a:solidFill>
+                <a:schemeClr val="tx1"/>
+              </a:solidFill>
+            </a:ln>
+          </p:spPr>
+          <p:style>
+            <a:lnRef idx="2">
+              <a:schemeClr val="accent1">
+                <a:shade val="50000"/>
+              </a:schemeClr>
+            </a:lnRef>
+            <a:fillRef idx="1">
+              <a:schemeClr val="accent1"/>
+            </a:fillRef>
+            <a:effectRef idx="0">
+              <a:schemeClr val="accent1"/>
+            </a:effectRef>
+            <a:fontRef idx="minor">
+              <a:schemeClr val="lt1"/>
+            </a:fontRef>
+          </p:style>
+          <p:txBody>
+            <a:bodyPr rtlCol="0" anchor="ctr"/>
+            <a:lstStyle/>
+            <a:p>
+              <a:pPr algn="ctr"/>
+              <a:endParaRPr lang="zh-CN" altLang="en-US"/>
+            </a:p>
+          </p:txBody>
+        </p:sp>
+      </p:grpSp>
+      <p:sp>
+        <p:nvSpPr>
+          <p:cNvPr id="35" name="矩形 34"/>
+          <p:cNvSpPr/>
+          <p:nvPr/>
+        </p:nvSpPr>
+        <p:spPr>
+          <a:xfrm>
+            <a:off x="3886200" y="1740409"/>
+            <a:ext cx="1981200" cy="381000"/>
+          </a:xfrm>
+          <a:prstGeom prst="rect">
+            <a:avLst/>
+          </a:prstGeom>
+          <a:noFill/>
+          <a:ln>
+            <a:solidFill>
+              <a:schemeClr val="tx1"/>
+            </a:solidFill>
+          </a:ln>
+        </p:spPr>
+        <p:style>
+          <a:lnRef idx="2">
+            <a:schemeClr val="accent1">
+              <a:shade val="50000"/>
+            </a:schemeClr>
+          </a:lnRef>
+          <a:fillRef idx="1">
+            <a:schemeClr val="accent1"/>
+          </a:fillRef>
+          <a:effectRef idx="0">
+            <a:schemeClr val="accent1"/>
+          </a:effectRef>
+          <a:fontRef idx="minor">
+            <a:schemeClr val="lt1"/>
+          </a:fontRef>
+        </p:style>
+        <p:txBody>
+          <a:bodyPr rtlCol="0" anchor="ctr"/>
+          <a:lstStyle/>
+          <a:p>
+            <a:pPr algn="ctr"/>
+            <a:endParaRPr lang="zh-CN" altLang="en-US"/>
+          </a:p>
+        </p:txBody>
+      </p:sp>
+      <p:sp>
+        <p:nvSpPr>
+          <p:cNvPr id="36" name="椭圆 35"/>
+          <p:cNvSpPr/>
+          <p:nvPr/>
+        </p:nvSpPr>
+        <p:spPr>
+          <a:xfrm>
+            <a:off x="3962400" y="1816609"/>
+            <a:ext cx="228600" cy="228600"/>
+          </a:xfrm>
+          <a:prstGeom prst="ellipse">
+            <a:avLst/>
+          </a:prstGeom>
+          <a:noFill/>
+          <a:ln>
+            <a:solidFill>
+              <a:srgbClr val="0070C0"/>
+            </a:solidFill>
+          </a:ln>
+        </p:spPr>
+        <p:style>
+          <a:lnRef idx="2">
+            <a:schemeClr val="accent1">
+              <a:shade val="50000"/>
+            </a:schemeClr>
+          </a:lnRef>
+          <a:fillRef idx="1">
+            <a:schemeClr val="accent1"/>
+          </a:fillRef>
+          <a:effectRef idx="0">
+            <a:schemeClr val="accent1"/>
+          </a:effectRef>
+          <a:fontRef idx="minor">
+            <a:schemeClr val="lt1"/>
+          </a:fontRef>
+        </p:style>
+        <p:txBody>
+          <a:bodyPr rtlCol="0" anchor="ctr"/>
+          <a:lstStyle/>
+          <a:p>
+            <a:pPr algn="ctr"/>
+            <a:endParaRPr lang="zh-CN" altLang="en-US"/>
+          </a:p>
+        </p:txBody>
+      </p:sp>
+      <p:sp>
+        <p:nvSpPr>
+          <p:cNvPr id="37" name="椭圆 36"/>
+          <p:cNvSpPr/>
+          <p:nvPr/>
+        </p:nvSpPr>
+        <p:spPr>
+          <a:xfrm>
+            <a:off x="4267200" y="1816609"/>
+            <a:ext cx="228600" cy="228600"/>
+          </a:xfrm>
+          <a:prstGeom prst="ellipse">
+            <a:avLst/>
+          </a:prstGeom>
+          <a:noFill/>
+          <a:ln>
+            <a:solidFill>
+              <a:srgbClr val="0070C0"/>
+            </a:solidFill>
+          </a:ln>
+        </p:spPr>
+        <p:style>
+          <a:lnRef idx="2">
+            <a:schemeClr val="accent1">
+              <a:shade val="50000"/>
+            </a:schemeClr>
+          </a:lnRef>
+          <a:fillRef idx="1">
+            <a:schemeClr val="accent1"/>
+          </a:fillRef>
+          <a:effectRef idx="0">
+            <a:schemeClr val="accent1"/>
+          </a:effectRef>
+          <a:fontRef idx="minor">
+            <a:schemeClr val="lt1"/>
+          </a:fontRef>
+        </p:style>
+        <p:txBody>
+          <a:bodyPr rtlCol="0" anchor="ctr"/>
+          <a:lstStyle/>
+          <a:p>
+            <a:pPr algn="ctr"/>
+            <a:endParaRPr lang="zh-CN" altLang="en-US"/>
+          </a:p>
+        </p:txBody>
+      </p:sp>
+      <p:sp>
+        <p:nvSpPr>
+          <p:cNvPr id="38" name="椭圆 37"/>
+          <p:cNvSpPr/>
+          <p:nvPr/>
+        </p:nvSpPr>
+        <p:spPr>
+          <a:xfrm>
+            <a:off x="4572000" y="1816609"/>
+            <a:ext cx="228600" cy="228600"/>
+          </a:xfrm>
+          <a:prstGeom prst="ellipse">
+            <a:avLst/>
+          </a:prstGeom>
+          <a:noFill/>
+          <a:ln>
+            <a:solidFill>
+              <a:srgbClr val="0070C0"/>
+            </a:solidFill>
+          </a:ln>
+        </p:spPr>
+        <p:style>
+          <a:lnRef idx="2">
+            <a:schemeClr val="accent1">
+              <a:shade val="50000"/>
+            </a:schemeClr>
+          </a:lnRef>
+          <a:fillRef idx="1">
+            <a:schemeClr val="accent1"/>
+          </a:fillRef>
+          <a:effectRef idx="0">
+            <a:schemeClr val="accent1"/>
+          </a:effectRef>
+          <a:fontRef idx="minor">
+            <a:schemeClr val="lt1"/>
+          </a:fontRef>
+        </p:style>
+        <p:txBody>
+          <a:bodyPr rtlCol="0" anchor="ctr"/>
+          <a:lstStyle/>
+          <a:p>
+            <a:pPr algn="ctr"/>
+            <a:endParaRPr lang="zh-CN" altLang="en-US"/>
+          </a:p>
+        </p:txBody>
+      </p:sp>
+      <p:sp>
+        <p:nvSpPr>
+          <p:cNvPr id="39" name="椭圆 38"/>
+          <p:cNvSpPr/>
+          <p:nvPr/>
+        </p:nvSpPr>
+        <p:spPr>
+          <a:xfrm>
+            <a:off x="4916424" y="1816609"/>
+            <a:ext cx="228600" cy="228600"/>
+          </a:xfrm>
+          <a:prstGeom prst="ellipse">
+            <a:avLst/>
+          </a:prstGeom>
+          <a:noFill/>
+          <a:ln>
+            <a:solidFill>
+              <a:srgbClr val="0070C0"/>
+            </a:solidFill>
+          </a:ln>
+        </p:spPr>
+        <p:style>
+          <a:lnRef idx="2">
+            <a:schemeClr val="accent1">
+              <a:shade val="50000"/>
+            </a:schemeClr>
+          </a:lnRef>
+          <a:fillRef idx="1">
+            <a:schemeClr val="accent1"/>
+          </a:fillRef>
+          <a:effectRef idx="0">
+            <a:schemeClr val="accent1"/>
+          </a:effectRef>
+          <a:fontRef idx="minor">
+            <a:schemeClr val="lt1"/>
+          </a:fontRef>
+        </p:style>
+        <p:txBody>
+          <a:bodyPr rtlCol="0" anchor="ctr"/>
+          <a:lstStyle/>
+          <a:p>
+            <a:pPr algn="ctr"/>
+            <a:endParaRPr lang="zh-CN" altLang="en-US"/>
+          </a:p>
+        </p:txBody>
+      </p:sp>
+      <p:sp>
+        <p:nvSpPr>
+          <p:cNvPr id="40" name="椭圆 39"/>
+          <p:cNvSpPr/>
+          <p:nvPr/>
+        </p:nvSpPr>
+        <p:spPr>
+          <a:xfrm>
+            <a:off x="5221224" y="1816609"/>
+            <a:ext cx="228600" cy="228600"/>
+          </a:xfrm>
+          <a:prstGeom prst="ellipse">
+            <a:avLst/>
+          </a:prstGeom>
+          <a:noFill/>
+          <a:ln>
+            <a:solidFill>
+              <a:srgbClr val="0070C0"/>
+            </a:solidFill>
+          </a:ln>
+        </p:spPr>
+        <p:style>
+          <a:lnRef idx="2">
+            <a:schemeClr val="accent1">
+              <a:shade val="50000"/>
+            </a:schemeClr>
+          </a:lnRef>
+          <a:fillRef idx="1">
+            <a:schemeClr val="accent1"/>
+          </a:fillRef>
+          <a:effectRef idx="0">
+            <a:schemeClr val="accent1"/>
+          </a:effectRef>
+          <a:fontRef idx="minor">
+            <a:schemeClr val="lt1"/>
+          </a:fontRef>
+        </p:style>
+        <p:txBody>
+          <a:bodyPr rtlCol="0" anchor="ctr"/>
+          <a:lstStyle/>
+          <a:p>
+            <a:pPr algn="ctr"/>
+            <a:endParaRPr lang="zh-CN" altLang="en-US"/>
+          </a:p>
+        </p:txBody>
+      </p:sp>
+      <p:sp>
+        <p:nvSpPr>
+          <p:cNvPr id="41" name="椭圆 40"/>
+          <p:cNvSpPr/>
+          <p:nvPr/>
+        </p:nvSpPr>
+        <p:spPr>
+          <a:xfrm>
+            <a:off x="5526024" y="1816609"/>
+            <a:ext cx="228600" cy="228600"/>
+          </a:xfrm>
+          <a:prstGeom prst="ellipse">
+            <a:avLst/>
+          </a:prstGeom>
+          <a:noFill/>
+          <a:ln>
+            <a:solidFill>
+              <a:srgbClr val="0070C0"/>
+            </a:solidFill>
+          </a:ln>
+        </p:spPr>
+        <p:style>
+          <a:lnRef idx="2">
+            <a:schemeClr val="accent1">
+              <a:shade val="50000"/>
+            </a:schemeClr>
+          </a:lnRef>
+          <a:fillRef idx="1">
+            <a:schemeClr val="accent1"/>
+          </a:fillRef>
+          <a:effectRef idx="0">
+            <a:schemeClr val="accent1"/>
+          </a:effectRef>
+          <a:fontRef idx="minor">
+            <a:schemeClr val="lt1"/>
+          </a:fontRef>
+        </p:style>
+        <p:txBody>
+          <a:bodyPr rtlCol="0" anchor="ctr"/>
+          <a:lstStyle/>
+          <a:p>
+            <a:pPr algn="ctr"/>
+            <a:endParaRPr lang="zh-CN" altLang="en-US"/>
+          </a:p>
+        </p:txBody>
+      </p:sp>
+      <p:sp>
+        <p:nvSpPr>
+          <p:cNvPr id="45" name="矩形 44"/>
+          <p:cNvSpPr/>
+          <p:nvPr/>
+        </p:nvSpPr>
+        <p:spPr>
+          <a:xfrm>
+            <a:off x="609600" y="1752600"/>
+            <a:ext cx="2590800" cy="381000"/>
+          </a:xfrm>
+          <a:prstGeom prst="rect">
+            <a:avLst/>
+          </a:prstGeom>
+          <a:noFill/>
+          <a:ln>
+            <a:solidFill>
+              <a:schemeClr val="tx1"/>
+            </a:solidFill>
+            <a:prstDash val="sysDot"/>
+          </a:ln>
+        </p:spPr>
+        <p:style>
+          <a:lnRef idx="2">
+            <a:schemeClr val="accent1">
+              <a:shade val="50000"/>
+            </a:schemeClr>
+          </a:lnRef>
+          <a:fillRef idx="1">
+            <a:schemeClr val="accent1"/>
+          </a:fillRef>
+          <a:effectRef idx="0">
+            <a:schemeClr val="accent1"/>
+          </a:effectRef>
+          <a:fontRef idx="minor">
+            <a:schemeClr val="lt1"/>
+          </a:fontRef>
+        </p:style>
+        <p:txBody>
+          <a:bodyPr rtlCol="0" anchor="ctr"/>
+          <a:lstStyle/>
+          <a:p>
+            <a:pPr algn="ctr"/>
+            <a:endParaRPr lang="zh-CN" altLang="en-US"/>
+          </a:p>
+        </p:txBody>
+      </p:sp>
+      <p:sp>
+        <p:nvSpPr>
+          <p:cNvPr id="46" name="椭圆 45"/>
+          <p:cNvSpPr/>
+          <p:nvPr/>
+        </p:nvSpPr>
+        <p:spPr>
+          <a:xfrm>
+            <a:off x="685800" y="1828800"/>
+            <a:ext cx="228600" cy="228600"/>
+          </a:xfrm>
+          <a:prstGeom prst="ellipse">
+            <a:avLst/>
+          </a:prstGeom>
+          <a:noFill/>
+          <a:ln>
+            <a:solidFill>
+              <a:srgbClr val="FF0000"/>
+            </a:solidFill>
+            <a:prstDash val="sysDot"/>
+          </a:ln>
+        </p:spPr>
+        <p:style>
+          <a:lnRef idx="2">
+            <a:schemeClr val="accent1">
+              <a:shade val="50000"/>
+            </a:schemeClr>
+          </a:lnRef>
+          <a:fillRef idx="1">
+            <a:schemeClr val="accent1"/>
+          </a:fillRef>
+          <a:effectRef idx="0">
+            <a:schemeClr val="accent1"/>
+          </a:effectRef>
+          <a:fontRef idx="minor">
+            <a:schemeClr val="lt1"/>
+          </a:fontRef>
+        </p:style>
+        <p:txBody>
+          <a:bodyPr rtlCol="0" anchor="ctr"/>
+          <a:lstStyle/>
+          <a:p>
+            <a:pPr algn="ctr"/>
+            <a:endParaRPr lang="zh-CN" altLang="en-US"/>
+          </a:p>
+        </p:txBody>
+      </p:sp>
+      <p:sp>
+        <p:nvSpPr>
+          <p:cNvPr id="47" name="椭圆 46"/>
+          <p:cNvSpPr/>
+          <p:nvPr/>
+        </p:nvSpPr>
+        <p:spPr>
+          <a:xfrm>
+            <a:off x="990600" y="1828800"/>
+            <a:ext cx="228600" cy="228600"/>
+          </a:xfrm>
+          <a:prstGeom prst="ellipse">
+            <a:avLst/>
+          </a:prstGeom>
+          <a:noFill/>
+          <a:ln>
+            <a:solidFill>
+              <a:srgbClr val="FF0000"/>
+            </a:solidFill>
+            <a:prstDash val="sysDot"/>
+          </a:ln>
+        </p:spPr>
+        <p:style>
+          <a:lnRef idx="2">
+            <a:schemeClr val="accent1">
+              <a:shade val="50000"/>
+            </a:schemeClr>
+          </a:lnRef>
+          <a:fillRef idx="1">
+            <a:schemeClr val="accent1"/>
+          </a:fillRef>
+          <a:effectRef idx="0">
+            <a:schemeClr val="accent1"/>
+          </a:effectRef>
+          <a:fontRef idx="minor">
+            <a:schemeClr val="lt1"/>
+          </a:fontRef>
+        </p:style>
+        <p:txBody>
+          <a:bodyPr rtlCol="0" anchor="ctr"/>
+          <a:lstStyle/>
+          <a:p>
+            <a:pPr algn="ctr"/>
+            <a:endParaRPr lang="zh-CN" altLang="en-US"/>
+          </a:p>
+        </p:txBody>
+      </p:sp>
+      <p:sp>
+        <p:nvSpPr>
+          <p:cNvPr id="48" name="椭圆 47"/>
+          <p:cNvSpPr/>
+          <p:nvPr/>
+        </p:nvSpPr>
+        <p:spPr>
+          <a:xfrm>
+            <a:off x="1295400" y="1828800"/>
+            <a:ext cx="228600" cy="228600"/>
+          </a:xfrm>
+          <a:prstGeom prst="ellipse">
+            <a:avLst/>
+          </a:prstGeom>
+          <a:noFill/>
+          <a:ln>
+            <a:solidFill>
+              <a:srgbClr val="FF0000"/>
+            </a:solidFill>
+            <a:prstDash val="sysDot"/>
+          </a:ln>
+        </p:spPr>
+        <p:style>
+          <a:lnRef idx="2">
+            <a:schemeClr val="accent1">
+              <a:shade val="50000"/>
+            </a:schemeClr>
+          </a:lnRef>
+          <a:fillRef idx="1">
+            <a:schemeClr val="accent1"/>
+          </a:fillRef>
+          <a:effectRef idx="0">
+            <a:schemeClr val="accent1"/>
+          </a:effectRef>
+          <a:fontRef idx="minor">
+            <a:schemeClr val="lt1"/>
+          </a:fontRef>
+        </p:style>
+        <p:txBody>
+          <a:bodyPr rtlCol="0" anchor="ctr"/>
+          <a:lstStyle/>
+          <a:p>
+            <a:pPr algn="ctr"/>
+            <a:endParaRPr lang="zh-CN" altLang="en-US"/>
+          </a:p>
+        </p:txBody>
+      </p:sp>
+      <p:sp>
+        <p:nvSpPr>
+          <p:cNvPr id="49" name="椭圆 48"/>
+          <p:cNvSpPr/>
+          <p:nvPr/>
+        </p:nvSpPr>
+        <p:spPr>
+          <a:xfrm>
+            <a:off x="1639824" y="1828800"/>
+            <a:ext cx="228600" cy="228600"/>
+          </a:xfrm>
+          <a:prstGeom prst="ellipse">
+            <a:avLst/>
+          </a:prstGeom>
+          <a:noFill/>
+          <a:ln>
+            <a:solidFill>
+              <a:srgbClr val="FF0000"/>
+            </a:solidFill>
+            <a:prstDash val="sysDot"/>
+          </a:ln>
+        </p:spPr>
+        <p:style>
+          <a:lnRef idx="2">
+            <a:schemeClr val="accent1">
+              <a:shade val="50000"/>
+            </a:schemeClr>
+          </a:lnRef>
+          <a:fillRef idx="1">
+            <a:schemeClr val="accent1"/>
+          </a:fillRef>
+          <a:effectRef idx="0">
+            <a:schemeClr val="accent1"/>
+          </a:effectRef>
+          <a:fontRef idx="minor">
+            <a:schemeClr val="lt1"/>
+          </a:fontRef>
+        </p:style>
+        <p:txBody>
+          <a:bodyPr rtlCol="0" anchor="ctr"/>
+          <a:lstStyle/>
+          <a:p>
+            <a:pPr algn="ctr"/>
+            <a:endParaRPr lang="zh-CN" altLang="en-US"/>
+          </a:p>
+        </p:txBody>
+      </p:sp>
+      <p:sp>
+        <p:nvSpPr>
+          <p:cNvPr id="50" name="椭圆 49"/>
+          <p:cNvSpPr/>
+          <p:nvPr/>
+        </p:nvSpPr>
+        <p:spPr>
+          <a:xfrm>
+            <a:off x="1944624" y="1828800"/>
+            <a:ext cx="228600" cy="228600"/>
+          </a:xfrm>
+          <a:prstGeom prst="ellipse">
+            <a:avLst/>
+          </a:prstGeom>
+          <a:noFill/>
+          <a:ln>
+            <a:solidFill>
+              <a:srgbClr val="FF0000"/>
+            </a:solidFill>
+            <a:prstDash val="sysDot"/>
+          </a:ln>
+        </p:spPr>
+        <p:style>
+          <a:lnRef idx="2">
+            <a:schemeClr val="accent1">
+              <a:shade val="50000"/>
+            </a:schemeClr>
+          </a:lnRef>
+          <a:fillRef idx="1">
+            <a:schemeClr val="accent1"/>
+          </a:fillRef>
+          <a:effectRef idx="0">
+            <a:schemeClr val="accent1"/>
+          </a:effectRef>
+          <a:fontRef idx="minor">
+            <a:schemeClr val="lt1"/>
+          </a:fontRef>
+        </p:style>
+        <p:txBody>
+          <a:bodyPr rtlCol="0" anchor="ctr"/>
+          <a:lstStyle/>
+          <a:p>
+            <a:pPr algn="ctr"/>
+            <a:endParaRPr lang="zh-CN" altLang="en-US"/>
+          </a:p>
+        </p:txBody>
+      </p:sp>
+      <p:sp>
+        <p:nvSpPr>
+          <p:cNvPr id="51" name="椭圆 50"/>
+          <p:cNvSpPr/>
+          <p:nvPr/>
+        </p:nvSpPr>
+        <p:spPr>
+          <a:xfrm>
+            <a:off x="2249424" y="1828800"/>
+            <a:ext cx="228600" cy="228600"/>
+          </a:xfrm>
+          <a:prstGeom prst="ellipse">
+            <a:avLst/>
+          </a:prstGeom>
+          <a:noFill/>
+          <a:ln>
+            <a:solidFill>
+              <a:srgbClr val="FF0000"/>
+            </a:solidFill>
+            <a:prstDash val="sysDot"/>
+          </a:ln>
+        </p:spPr>
+        <p:style>
+          <a:lnRef idx="2">
+            <a:schemeClr val="accent1">
+              <a:shade val="50000"/>
+            </a:schemeClr>
+          </a:lnRef>
+          <a:fillRef idx="1">
+            <a:schemeClr val="accent1"/>
+          </a:fillRef>
+          <a:effectRef idx="0">
+            <a:schemeClr val="accent1"/>
+          </a:effectRef>
+          <a:fontRef idx="minor">
+            <a:schemeClr val="lt1"/>
+          </a:fontRef>
+        </p:style>
+        <p:txBody>
+          <a:bodyPr rtlCol="0" anchor="ctr"/>
+          <a:lstStyle/>
+          <a:p>
+            <a:pPr algn="ctr"/>
+            <a:endParaRPr lang="zh-CN" altLang="en-US"/>
+          </a:p>
+        </p:txBody>
+      </p:sp>
+      <p:sp>
+        <p:nvSpPr>
+          <p:cNvPr id="52" name="椭圆 51"/>
+          <p:cNvSpPr/>
+          <p:nvPr/>
+        </p:nvSpPr>
+        <p:spPr>
+          <a:xfrm>
+            <a:off x="2551176" y="1828800"/>
+            <a:ext cx="228600" cy="228600"/>
+          </a:xfrm>
+          <a:prstGeom prst="ellipse">
+            <a:avLst/>
+          </a:prstGeom>
+          <a:noFill/>
+          <a:ln>
+            <a:solidFill>
+              <a:srgbClr val="FF0000"/>
+            </a:solidFill>
+            <a:prstDash val="sysDot"/>
+          </a:ln>
+        </p:spPr>
+        <p:style>
+          <a:lnRef idx="2">
+            <a:schemeClr val="accent1">
+              <a:shade val="50000"/>
+            </a:schemeClr>
+          </a:lnRef>
+          <a:fillRef idx="1">
+            <a:schemeClr val="accent1"/>
+          </a:fillRef>
+          <a:effectRef idx="0">
+            <a:schemeClr val="accent1"/>
+          </a:effectRef>
+          <a:fontRef idx="minor">
+            <a:schemeClr val="lt1"/>
+          </a:fontRef>
+        </p:style>
+        <p:txBody>
+          <a:bodyPr rtlCol="0" anchor="ctr"/>
+          <a:lstStyle/>
+          <a:p>
+            <a:pPr algn="ctr"/>
+            <a:endParaRPr lang="zh-CN" altLang="en-US"/>
+          </a:p>
+        </p:txBody>
+      </p:sp>
+      <p:sp>
+        <p:nvSpPr>
+          <p:cNvPr id="53" name="椭圆 52"/>
+          <p:cNvSpPr/>
+          <p:nvPr/>
+        </p:nvSpPr>
+        <p:spPr>
+          <a:xfrm>
+            <a:off x="2855976" y="1828800"/>
+            <a:ext cx="228600" cy="228600"/>
+          </a:xfrm>
+          <a:prstGeom prst="ellipse">
+            <a:avLst/>
+          </a:prstGeom>
+          <a:noFill/>
+          <a:ln>
+            <a:solidFill>
+              <a:srgbClr val="FF0000"/>
+            </a:solidFill>
+            <a:prstDash val="sysDot"/>
+          </a:ln>
+        </p:spPr>
+        <p:style>
+          <a:lnRef idx="2">
+            <a:schemeClr val="accent1">
+              <a:shade val="50000"/>
+            </a:schemeClr>
+          </a:lnRef>
+          <a:fillRef idx="1">
+            <a:schemeClr val="accent1"/>
+          </a:fillRef>
+          <a:effectRef idx="0">
+            <a:schemeClr val="accent1"/>
+          </a:effectRef>
+          <a:fontRef idx="minor">
+            <a:schemeClr val="lt1"/>
+          </a:fontRef>
+        </p:style>
+        <p:txBody>
+          <a:bodyPr rtlCol="0" anchor="ctr"/>
+          <a:lstStyle/>
+          <a:p>
+            <a:pPr algn="ctr"/>
+            <a:endParaRPr lang="zh-CN" altLang="en-US"/>
+          </a:p>
+        </p:txBody>
+      </p:sp>
+      <p:grpSp>
+        <p:nvGrpSpPr>
+          <p:cNvPr id="54" name="组合 53"/>
+          <p:cNvGrpSpPr/>
+          <p:nvPr/>
+        </p:nvGrpSpPr>
+        <p:grpSpPr>
+          <a:xfrm>
+            <a:off x="2209800" y="2819400"/>
+            <a:ext cx="2590800" cy="381000"/>
+            <a:chOff x="609600" y="2743200"/>
+            <a:chExt cx="2590800" cy="381000"/>
+          </a:xfrm>
+        </p:grpSpPr>
+        <p:sp>
+          <p:nvSpPr>
+            <p:cNvPr id="55" name="矩形 54"/>
+            <p:cNvSpPr/>
+            <p:nvPr/>
+          </p:nvSpPr>
+          <p:spPr>
+            <a:xfrm>
+              <a:off x="609600" y="2743200"/>
+              <a:ext cx="2590800" cy="381000"/>
+            </a:xfrm>
+            <a:prstGeom prst="rect">
+              <a:avLst/>
+            </a:prstGeom>
+            <a:noFill/>
+            <a:ln>
+              <a:solidFill>
+                <a:schemeClr val="tx1"/>
+              </a:solidFill>
+            </a:ln>
+          </p:spPr>
+          <p:style>
+            <a:lnRef idx="2">
+              <a:schemeClr val="accent1">
+                <a:shade val="50000"/>
+              </a:schemeClr>
+            </a:lnRef>
+            <a:fillRef idx="1">
+              <a:schemeClr val="accent1"/>
+            </a:fillRef>
+            <a:effectRef idx="0">
+              <a:schemeClr val="accent1"/>
+            </a:effectRef>
+            <a:fontRef idx="minor">
+              <a:schemeClr val="lt1"/>
+            </a:fontRef>
+          </p:style>
+          <p:txBody>
+            <a:bodyPr rtlCol="0" anchor="ctr"/>
+            <a:lstStyle/>
+            <a:p>
+              <a:pPr algn="ctr"/>
+              <a:endParaRPr lang="zh-CN" altLang="en-US"/>
+            </a:p>
+          </p:txBody>
+        </p:sp>
+        <p:sp>
+          <p:nvSpPr>
+            <p:cNvPr id="56" name="椭圆 55"/>
+            <p:cNvSpPr/>
+            <p:nvPr/>
+          </p:nvSpPr>
+          <p:spPr>
+            <a:xfrm>
+              <a:off x="685800" y="2819400"/>
+              <a:ext cx="228600" cy="228600"/>
+            </a:xfrm>
+            <a:prstGeom prst="ellipse">
+              <a:avLst/>
+            </a:prstGeom>
+            <a:noFill/>
+            <a:ln>
+              <a:solidFill>
+                <a:schemeClr val="tx1"/>
+              </a:solidFill>
+            </a:ln>
+          </p:spPr>
+          <p:style>
+            <a:lnRef idx="2">
+              <a:schemeClr val="accent1">
+                <a:shade val="50000"/>
+              </a:schemeClr>
+            </a:lnRef>
+            <a:fillRef idx="1">
+              <a:schemeClr val="accent1"/>
+            </a:fillRef>
+            <a:effectRef idx="0">
+              <a:schemeClr val="accent1"/>
+            </a:effectRef>
+            <a:fontRef idx="minor">
+              <a:schemeClr val="lt1"/>
+            </a:fontRef>
+          </p:style>
+          <p:txBody>
+            <a:bodyPr rtlCol="0" anchor="ctr"/>
+            <a:lstStyle/>
+            <a:p>
+              <a:pPr algn="ctr"/>
+              <a:endParaRPr lang="zh-CN" altLang="en-US"/>
+            </a:p>
+          </p:txBody>
+        </p:sp>
+        <p:sp>
+          <p:nvSpPr>
+            <p:cNvPr id="57" name="椭圆 56"/>
+            <p:cNvSpPr/>
+            <p:nvPr/>
+          </p:nvSpPr>
+          <p:spPr>
+            <a:xfrm>
+              <a:off x="990600" y="2819400"/>
+              <a:ext cx="228600" cy="228600"/>
+            </a:xfrm>
+            <a:prstGeom prst="ellipse">
+              <a:avLst/>
+            </a:prstGeom>
+            <a:noFill/>
+            <a:ln>
+              <a:solidFill>
+                <a:schemeClr val="tx1"/>
+              </a:solidFill>
+            </a:ln>
+          </p:spPr>
+          <p:style>
+            <a:lnRef idx="2">
+              <a:schemeClr val="accent1">
+                <a:shade val="50000"/>
+              </a:schemeClr>
+            </a:lnRef>
+            <a:fillRef idx="1">
+              <a:schemeClr val="accent1"/>
+            </a:fillRef>
+            <a:effectRef idx="0">
+              <a:schemeClr val="accent1"/>
+            </a:effectRef>
+            <a:fontRef idx="minor">
+              <a:schemeClr val="lt1"/>
+            </a:fontRef>
+          </p:style>
+          <p:txBody>
+            <a:bodyPr rtlCol="0" anchor="ctr"/>
+            <a:lstStyle/>
+            <a:p>
+              <a:pPr algn="ctr"/>
+              <a:endParaRPr lang="zh-CN" altLang="en-US"/>
+            </a:p>
+          </p:txBody>
+        </p:sp>
+        <p:sp>
+          <p:nvSpPr>
+            <p:cNvPr id="58" name="椭圆 57"/>
+            <p:cNvSpPr/>
+            <p:nvPr/>
+          </p:nvSpPr>
+          <p:spPr>
+            <a:xfrm>
+              <a:off x="1295400" y="2819400"/>
+              <a:ext cx="228600" cy="228600"/>
+            </a:xfrm>
+            <a:prstGeom prst="ellipse">
+              <a:avLst/>
+            </a:prstGeom>
+            <a:noFill/>
+            <a:ln>
+              <a:solidFill>
+                <a:schemeClr val="tx1"/>
+              </a:solidFill>
+            </a:ln>
+          </p:spPr>
+          <p:style>
+            <a:lnRef idx="2">
+              <a:schemeClr val="accent1">
+                <a:shade val="50000"/>
+              </a:schemeClr>
+            </a:lnRef>
+            <a:fillRef idx="1">
+              <a:schemeClr val="accent1"/>
+            </a:fillRef>
+            <a:effectRef idx="0">
+              <a:schemeClr val="accent1"/>
+            </a:effectRef>
+            <a:fontRef idx="minor">
+              <a:schemeClr val="lt1"/>
+            </a:fontRef>
+          </p:style>
+          <p:txBody>
+            <a:bodyPr rtlCol="0" anchor="ctr"/>
+            <a:lstStyle/>
+            <a:p>
+              <a:pPr algn="ctr"/>
+              <a:endParaRPr lang="zh-CN" altLang="en-US"/>
+            </a:p>
+          </p:txBody>
+        </p:sp>
+        <p:sp>
+          <p:nvSpPr>
+            <p:cNvPr id="59" name="椭圆 58"/>
+            <p:cNvSpPr/>
+            <p:nvPr/>
+          </p:nvSpPr>
+          <p:spPr>
+            <a:xfrm>
+              <a:off x="1639824" y="2819400"/>
+              <a:ext cx="228600" cy="228600"/>
+            </a:xfrm>
+            <a:prstGeom prst="ellipse">
+              <a:avLst/>
+            </a:prstGeom>
+            <a:noFill/>
+            <a:ln>
+              <a:solidFill>
+                <a:schemeClr val="tx1"/>
+              </a:solidFill>
+            </a:ln>
+          </p:spPr>
+          <p:style>
+            <a:lnRef idx="2">
+              <a:schemeClr val="accent1">
+                <a:shade val="50000"/>
+              </a:schemeClr>
+            </a:lnRef>
+            <a:fillRef idx="1">
+              <a:schemeClr val="accent1"/>
+            </a:fillRef>
+            <a:effectRef idx="0">
+              <a:schemeClr val="accent1"/>
+            </a:effectRef>
+            <a:fontRef idx="minor">
+              <a:schemeClr val="lt1"/>
+            </a:fontRef>
+          </p:style>
+          <p:txBody>
+            <a:bodyPr rtlCol="0" anchor="ctr"/>
+            <a:lstStyle/>
+            <a:p>
+              <a:pPr algn="ctr"/>
+              <a:endParaRPr lang="zh-CN" altLang="en-US"/>
+            </a:p>
+          </p:txBody>
+        </p:sp>
+        <p:sp>
+          <p:nvSpPr>
+            <p:cNvPr id="60" name="椭圆 59"/>
+            <p:cNvSpPr/>
+            <p:nvPr/>
+          </p:nvSpPr>
+          <p:spPr>
+            <a:xfrm>
+              <a:off x="1944624" y="2819400"/>
+              <a:ext cx="228600" cy="228600"/>
+            </a:xfrm>
+            <a:prstGeom prst="ellipse">
+              <a:avLst/>
+            </a:prstGeom>
+            <a:noFill/>
+            <a:ln>
+              <a:solidFill>
+                <a:schemeClr val="tx1"/>
+              </a:solidFill>
+            </a:ln>
+          </p:spPr>
+          <p:style>
+            <a:lnRef idx="2">
+              <a:schemeClr val="accent1">
+                <a:shade val="50000"/>
+              </a:schemeClr>
+            </a:lnRef>
+            <a:fillRef idx="1">
+              <a:schemeClr val="accent1"/>
+            </a:fillRef>
+            <a:effectRef idx="0">
+              <a:schemeClr val="accent1"/>
+            </a:effectRef>
+            <a:fontRef idx="minor">
+              <a:schemeClr val="lt1"/>
+            </a:fontRef>
+          </p:style>
+          <p:txBody>
+            <a:bodyPr rtlCol="0" anchor="ctr"/>
+            <a:lstStyle/>
+            <a:p>
+              <a:pPr algn="ctr"/>
+              <a:endParaRPr lang="zh-CN" altLang="en-US"/>
+            </a:p>
+          </p:txBody>
+        </p:sp>
+        <p:sp>
+          <p:nvSpPr>
+            <p:cNvPr id="61" name="椭圆 60"/>
+            <p:cNvSpPr/>
+            <p:nvPr/>
+          </p:nvSpPr>
+          <p:spPr>
+            <a:xfrm>
+              <a:off x="2249424" y="2819400"/>
+              <a:ext cx="228600" cy="228600"/>
+            </a:xfrm>
+            <a:prstGeom prst="ellipse">
+              <a:avLst/>
+            </a:prstGeom>
+            <a:noFill/>
+            <a:ln>
+              <a:solidFill>
+                <a:schemeClr val="tx1"/>
+              </a:solidFill>
+            </a:ln>
+          </p:spPr>
+          <p:style>
+            <a:lnRef idx="2">
+              <a:schemeClr val="accent1">
+                <a:shade val="50000"/>
+              </a:schemeClr>
+            </a:lnRef>
+            <a:fillRef idx="1">
+              <a:schemeClr val="accent1"/>
+            </a:fillRef>
+            <a:effectRef idx="0">
+              <a:schemeClr val="accent1"/>
+            </a:effectRef>
+            <a:fontRef idx="minor">
+              <a:schemeClr val="lt1"/>
+            </a:fontRef>
+          </p:style>
+          <p:txBody>
+            <a:bodyPr rtlCol="0" anchor="ctr"/>
+            <a:lstStyle/>
+            <a:p>
+              <a:pPr algn="ctr"/>
+              <a:endParaRPr lang="zh-CN" altLang="en-US"/>
+            </a:p>
+          </p:txBody>
+        </p:sp>
+        <p:sp>
+          <p:nvSpPr>
+            <p:cNvPr id="62" name="椭圆 61"/>
+            <p:cNvSpPr/>
+            <p:nvPr/>
+          </p:nvSpPr>
+          <p:spPr>
+            <a:xfrm>
+              <a:off x="2551176" y="2819400"/>
+              <a:ext cx="228600" cy="228600"/>
+            </a:xfrm>
+            <a:prstGeom prst="ellipse">
+              <a:avLst/>
+            </a:prstGeom>
+            <a:noFill/>
+            <a:ln>
+              <a:solidFill>
+                <a:schemeClr val="tx1"/>
+              </a:solidFill>
+            </a:ln>
+          </p:spPr>
+          <p:style>
+            <a:lnRef idx="2">
+              <a:schemeClr val="accent1">
+                <a:shade val="50000"/>
+              </a:schemeClr>
+            </a:lnRef>
+            <a:fillRef idx="1">
+              <a:schemeClr val="accent1"/>
+            </a:fillRef>
+            <a:effectRef idx="0">
+              <a:schemeClr val="accent1"/>
+            </a:effectRef>
+            <a:fontRef idx="minor">
+              <a:schemeClr val="lt1"/>
+            </a:fontRef>
+          </p:style>
+          <p:txBody>
+            <a:bodyPr rtlCol="0" anchor="ctr"/>
+            <a:lstStyle/>
+            <a:p>
+              <a:pPr algn="ctr"/>
+              <a:endParaRPr lang="zh-CN" altLang="en-US"/>
+            </a:p>
+          </p:txBody>
+        </p:sp>
+        <p:sp>
+          <p:nvSpPr>
+            <p:cNvPr id="63" name="椭圆 62"/>
+            <p:cNvSpPr/>
+            <p:nvPr/>
+          </p:nvSpPr>
+          <p:spPr>
+            <a:xfrm>
+              <a:off x="2855976" y="2819400"/>
+              <a:ext cx="228600" cy="228600"/>
+            </a:xfrm>
+            <a:prstGeom prst="ellipse">
+              <a:avLst/>
+            </a:prstGeom>
+            <a:noFill/>
+            <a:ln>
+              <a:solidFill>
+                <a:schemeClr val="tx1"/>
+              </a:solidFill>
+            </a:ln>
+          </p:spPr>
+          <p:style>
+            <a:lnRef idx="2">
+              <a:schemeClr val="accent1">
+                <a:shade val="50000"/>
+              </a:schemeClr>
+            </a:lnRef>
+            <a:fillRef idx="1">
+              <a:schemeClr val="accent1"/>
+            </a:fillRef>
+            <a:effectRef idx="0">
+              <a:schemeClr val="accent1"/>
+            </a:effectRef>
+            <a:fontRef idx="minor">
+              <a:schemeClr val="lt1"/>
+            </a:fontRef>
+          </p:style>
+          <p:txBody>
+            <a:bodyPr rtlCol="0" anchor="ctr"/>
+            <a:lstStyle/>
+            <a:p>
+              <a:pPr algn="ctr"/>
+              <a:endParaRPr lang="zh-CN" altLang="en-US"/>
+            </a:p>
+          </p:txBody>
+        </p:sp>
+      </p:grpSp>
+      <p:sp>
+        <p:nvSpPr>
+          <p:cNvPr id="65" name="下箭头 64"/>
+          <p:cNvSpPr/>
+          <p:nvPr/>
+        </p:nvSpPr>
+        <p:spPr>
+          <a:xfrm rot="10800000">
+            <a:off x="3200400" y="5257800"/>
+            <a:ext cx="457200" cy="457200"/>
+          </a:xfrm>
+          <a:prstGeom prst="downArrow">
+            <a:avLst/>
+          </a:prstGeom>
+          <a:solidFill>
+            <a:schemeClr val="tx1"/>
+          </a:solidFill>
+          <a:ln>
+            <a:solidFill>
+              <a:schemeClr val="bg1"/>
+            </a:solidFill>
+          </a:ln>
+        </p:spPr>
+        <p:style>
+          <a:lnRef idx="2">
+            <a:schemeClr val="accent1">
+              <a:shade val="50000"/>
+            </a:schemeClr>
+          </a:lnRef>
+          <a:fillRef idx="1">
+            <a:schemeClr val="accent1"/>
+          </a:fillRef>
+          <a:effectRef idx="0">
+            <a:schemeClr val="accent1"/>
+          </a:effectRef>
+          <a:fontRef idx="minor">
+            <a:schemeClr val="lt1"/>
+          </a:fontRef>
+        </p:style>
+        <p:txBody>
+          <a:bodyPr rtlCol="0" anchor="ctr"/>
+          <a:lstStyle/>
+          <a:p>
+            <a:pPr algn="ctr"/>
+            <a:endParaRPr lang="zh-CN" altLang="en-US"/>
+          </a:p>
+        </p:txBody>
+      </p:sp>
+      <p:sp>
+        <p:nvSpPr>
+          <p:cNvPr id="66" name="下箭头 65"/>
+          <p:cNvSpPr/>
+          <p:nvPr/>
+        </p:nvSpPr>
+        <p:spPr>
+          <a:xfrm rot="10800000">
+            <a:off x="3200400" y="4267199"/>
+            <a:ext cx="457200" cy="457200"/>
+          </a:xfrm>
+          <a:prstGeom prst="downArrow">
+            <a:avLst/>
+          </a:prstGeom>
+          <a:solidFill>
+            <a:schemeClr val="tx1"/>
+          </a:solidFill>
+          <a:ln>
+            <a:solidFill>
+              <a:schemeClr val="bg1"/>
+            </a:solidFill>
+          </a:ln>
+        </p:spPr>
+        <p:style>
+          <a:lnRef idx="2">
+            <a:schemeClr val="accent1">
+              <a:shade val="50000"/>
+            </a:schemeClr>
+          </a:lnRef>
+          <a:fillRef idx="1">
+            <a:schemeClr val="accent1"/>
+          </a:fillRef>
+          <a:effectRef idx="0">
+            <a:schemeClr val="accent1"/>
+          </a:effectRef>
+          <a:fontRef idx="minor">
+            <a:schemeClr val="lt1"/>
+          </a:fontRef>
+        </p:style>
+        <p:txBody>
+          <a:bodyPr rtlCol="0" anchor="ctr"/>
+          <a:lstStyle/>
+          <a:p>
+            <a:pPr algn="ctr"/>
+            <a:endParaRPr lang="zh-CN" altLang="en-US"/>
+          </a:p>
+        </p:txBody>
+      </p:sp>
+      <p:sp>
+        <p:nvSpPr>
+          <p:cNvPr id="67" name="下箭头 66"/>
+          <p:cNvSpPr/>
+          <p:nvPr/>
+        </p:nvSpPr>
+        <p:spPr>
+          <a:xfrm rot="10800000">
+            <a:off x="3200400" y="3276600"/>
+            <a:ext cx="457200" cy="457200"/>
+          </a:xfrm>
+          <a:prstGeom prst="downArrow">
+            <a:avLst/>
+          </a:prstGeom>
+          <a:solidFill>
+            <a:schemeClr val="tx1"/>
+          </a:solidFill>
+          <a:ln>
+            <a:solidFill>
+              <a:schemeClr val="bg1"/>
+            </a:solidFill>
+          </a:ln>
+        </p:spPr>
+        <p:style>
+          <a:lnRef idx="2">
+            <a:schemeClr val="accent1">
+              <a:shade val="50000"/>
+            </a:schemeClr>
+          </a:lnRef>
+          <a:fillRef idx="1">
+            <a:schemeClr val="accent1"/>
+          </a:fillRef>
+          <a:effectRef idx="0">
+            <a:schemeClr val="accent1"/>
+          </a:effectRef>
+          <a:fontRef idx="minor">
+            <a:schemeClr val="lt1"/>
+          </a:fontRef>
+        </p:style>
+        <p:txBody>
+          <a:bodyPr rtlCol="0" anchor="ctr"/>
+          <a:lstStyle/>
+          <a:p>
+            <a:pPr algn="ctr"/>
+            <a:endParaRPr lang="zh-CN" altLang="en-US"/>
+          </a:p>
+        </p:txBody>
+      </p:sp>
+      <p:sp>
+        <p:nvSpPr>
+          <p:cNvPr id="68" name="下箭头 67"/>
+          <p:cNvSpPr/>
+          <p:nvPr/>
+        </p:nvSpPr>
+        <p:spPr>
+          <a:xfrm rot="13500000">
+            <a:off x="3904286" y="2267511"/>
+            <a:ext cx="457200" cy="457200"/>
+          </a:xfrm>
+          <a:prstGeom prst="downArrow">
+            <a:avLst/>
+          </a:prstGeom>
+          <a:solidFill>
+            <a:srgbClr val="00B0F0"/>
+          </a:solidFill>
+          <a:ln>
+            <a:solidFill>
+              <a:schemeClr val="bg1"/>
+            </a:solidFill>
+          </a:ln>
+        </p:spPr>
+        <p:style>
+          <a:lnRef idx="2">
+            <a:schemeClr val="accent1">
+              <a:shade val="50000"/>
+            </a:schemeClr>
+          </a:lnRef>
+          <a:fillRef idx="1">
+            <a:schemeClr val="accent1"/>
+          </a:fillRef>
+          <a:effectRef idx="0">
+            <a:schemeClr val="accent1"/>
+          </a:effectRef>
+          <a:fontRef idx="minor">
+            <a:schemeClr val="lt1"/>
+          </a:fontRef>
+        </p:style>
+        <p:txBody>
+          <a:bodyPr rtlCol="0" anchor="ctr"/>
+          <a:lstStyle/>
+          <a:p>
+            <a:pPr algn="ctr"/>
+            <a:endParaRPr lang="zh-CN" altLang="en-US"/>
+          </a:p>
+        </p:txBody>
+      </p:sp>
+      <p:sp>
+        <p:nvSpPr>
+          <p:cNvPr id="73" name="下箭头 72"/>
+          <p:cNvSpPr/>
+          <p:nvPr/>
+        </p:nvSpPr>
+        <p:spPr>
+          <a:xfrm rot="8100000">
+            <a:off x="2685490" y="2267510"/>
+            <a:ext cx="457200" cy="457200"/>
+          </a:xfrm>
+          <a:prstGeom prst="downArrow">
+            <a:avLst/>
+          </a:prstGeom>
+          <a:noFill/>
+          <a:ln>
+            <a:solidFill>
+              <a:schemeClr val="tx1"/>
+            </a:solidFill>
+            <a:prstDash val="sysDot"/>
+          </a:ln>
+        </p:spPr>
+        <p:style>
+          <a:lnRef idx="2">
+            <a:schemeClr val="accent1">
+              <a:shade val="50000"/>
+            </a:schemeClr>
+          </a:lnRef>
+          <a:fillRef idx="1">
+            <a:schemeClr val="accent1"/>
+          </a:fillRef>
+          <a:effectRef idx="0">
+            <a:schemeClr val="accent1"/>
+          </a:effectRef>
+          <a:fontRef idx="minor">
+            <a:schemeClr val="lt1"/>
+          </a:fontRef>
+        </p:style>
+        <p:txBody>
+          <a:bodyPr rtlCol="0" anchor="ctr"/>
+          <a:lstStyle/>
+          <a:p>
+            <a:pPr algn="ctr"/>
+            <a:endParaRPr lang="zh-CN" altLang="en-US"/>
+          </a:p>
+        </p:txBody>
+      </p:sp>
+      <p:sp>
+        <p:nvSpPr>
+          <p:cNvPr id="74" name="TextBox 73"/>
+          <p:cNvSpPr txBox="1"/>
+          <p:nvPr/>
+        </p:nvSpPr>
+        <p:spPr>
+          <a:xfrm>
+            <a:off x="190218" y="1020633"/>
+            <a:ext cx="3348674" cy="646331"/>
+          </a:xfrm>
+          <a:prstGeom prst="rect">
+            <a:avLst/>
+          </a:prstGeom>
+          <a:noFill/>
+        </p:spPr>
+        <p:txBody>
+          <a:bodyPr wrap="none" rtlCol="0">
+            <a:spAutoFit/>
+          </a:bodyPr>
+          <a:lstStyle/>
+          <a:p>
+            <a:r>
+              <a:rPr lang="en-US" altLang="zh-CN" dirty="0" smtClean="0"/>
+              <a:t>Last Layer for Source 1000 Nodes </a:t>
+            </a:r>
+          </a:p>
+          <a:p>
+            <a:pPr algn="ctr"/>
+            <a:r>
+              <a:rPr lang="en-US" altLang="zh-CN" dirty="0" smtClean="0"/>
+              <a:t>(Removed for fine-tuning)</a:t>
+            </a:r>
+            <a:endParaRPr lang="zh-CN" altLang="en-US" dirty="0"/>
+          </a:p>
+        </p:txBody>
+      </p:sp>
+      <p:sp>
+        <p:nvSpPr>
+          <p:cNvPr id="75" name="TextBox 74"/>
+          <p:cNvSpPr txBox="1"/>
+          <p:nvPr/>
+        </p:nvSpPr>
+        <p:spPr>
+          <a:xfrm>
+            <a:off x="6019800" y="1600200"/>
+            <a:ext cx="2064604" cy="646331"/>
+          </a:xfrm>
+          <a:prstGeom prst="rect">
+            <a:avLst/>
+          </a:prstGeom>
+          <a:noFill/>
+        </p:spPr>
+        <p:txBody>
+          <a:bodyPr wrap="none" rtlCol="0">
+            <a:spAutoFit/>
+          </a:bodyPr>
+          <a:lstStyle/>
+          <a:p>
+            <a:r>
+              <a:rPr lang="en-US" altLang="zh-CN" dirty="0" smtClean="0"/>
+              <a:t>Last Layer for Target</a:t>
+            </a:r>
+          </a:p>
+          <a:p>
+            <a:pPr algn="ctr"/>
+            <a:r>
+              <a:rPr lang="en-US" altLang="zh-CN" dirty="0" smtClean="0"/>
+              <a:t>101 Nodes</a:t>
+            </a:r>
+            <a:endParaRPr lang="zh-CN" altLang="en-US" dirty="0"/>
+          </a:p>
+        </p:txBody>
+      </p:sp>
+      <p:sp>
+        <p:nvSpPr>
+          <p:cNvPr id="76" name="下箭头 75"/>
+          <p:cNvSpPr/>
+          <p:nvPr/>
+        </p:nvSpPr>
+        <p:spPr>
+          <a:xfrm rot="10800000">
+            <a:off x="4665165" y="1188520"/>
+            <a:ext cx="457200" cy="457200"/>
+          </a:xfrm>
+          <a:prstGeom prst="downArrow">
+            <a:avLst/>
+          </a:prstGeom>
+          <a:solidFill>
+            <a:srgbClr val="00B0F0"/>
+          </a:solidFill>
+          <a:ln>
+            <a:solidFill>
+              <a:schemeClr val="bg1"/>
+            </a:solidFill>
+          </a:ln>
+        </p:spPr>
+        <p:style>
+          <a:lnRef idx="2">
+            <a:schemeClr val="accent1">
+              <a:shade val="50000"/>
+            </a:schemeClr>
+          </a:lnRef>
+          <a:fillRef idx="1">
+            <a:schemeClr val="accent1"/>
+          </a:fillRef>
+          <a:effectRef idx="0">
+            <a:schemeClr val="accent1"/>
+          </a:effectRef>
+          <a:fontRef idx="minor">
+            <a:schemeClr val="lt1"/>
+          </a:fontRef>
+        </p:style>
+        <p:txBody>
+          <a:bodyPr rtlCol="0" anchor="ctr"/>
+          <a:lstStyle/>
+          <a:p>
+            <a:pPr algn="ctr"/>
+            <a:endParaRPr lang="zh-CN" altLang="en-US"/>
+          </a:p>
+        </p:txBody>
+      </p:sp>
+      <p:sp>
+        <p:nvSpPr>
+          <p:cNvPr id="77" name="矩形 76"/>
+          <p:cNvSpPr/>
+          <p:nvPr/>
+        </p:nvSpPr>
+        <p:spPr>
+          <a:xfrm>
+            <a:off x="4237582" y="762000"/>
+            <a:ext cx="1325018" cy="381000"/>
+          </a:xfrm>
+          <a:prstGeom prst="rect">
+            <a:avLst/>
+          </a:prstGeom>
+          <a:noFill/>
+          <a:ln>
+            <a:solidFill>
+              <a:schemeClr val="tx1"/>
+            </a:solidFill>
+          </a:ln>
+        </p:spPr>
+        <p:style>
+          <a:lnRef idx="2">
+            <a:schemeClr val="accent1">
+              <a:shade val="50000"/>
+            </a:schemeClr>
+          </a:lnRef>
+          <a:fillRef idx="1">
+            <a:schemeClr val="accent1"/>
+          </a:fillRef>
+          <a:effectRef idx="0">
+            <a:schemeClr val="accent1"/>
+          </a:effectRef>
+          <a:fontRef idx="minor">
+            <a:schemeClr val="lt1"/>
+          </a:fontRef>
+        </p:style>
+        <p:txBody>
+          <a:bodyPr rtlCol="0" anchor="ctr"/>
+          <a:lstStyle/>
+          <a:p>
+            <a:pPr algn="ctr"/>
+            <a:r>
+              <a:rPr lang="en-US" altLang="zh-CN" dirty="0" smtClean="0">
+                <a:solidFill>
+                  <a:srgbClr val="00B0F0"/>
+                </a:solidFill>
+              </a:rPr>
+              <a:t>Loss</a:t>
+            </a:r>
+            <a:endParaRPr lang="zh-CN" altLang="en-US" dirty="0">
+              <a:solidFill>
+                <a:srgbClr val="00B0F0"/>
+              </a:solidFill>
+            </a:endParaRPr>
+          </a:p>
+        </p:txBody>
+      </p:sp>
+      <p:sp>
+        <p:nvSpPr>
+          <p:cNvPr id="78" name="下箭头 77"/>
+          <p:cNvSpPr/>
+          <p:nvPr/>
+        </p:nvSpPr>
+        <p:spPr>
+          <a:xfrm>
+            <a:off x="5181600" y="1188519"/>
+            <a:ext cx="114300" cy="478445"/>
+          </a:xfrm>
+          <a:prstGeom prst="downArrow">
+            <a:avLst/>
+          </a:prstGeom>
+          <a:solidFill>
+            <a:srgbClr val="92D050"/>
+          </a:solidFill>
+          <a:ln>
+            <a:noFill/>
+          </a:ln>
+        </p:spPr>
+        <p:style>
+          <a:lnRef idx="2">
+            <a:schemeClr val="accent1">
+              <a:shade val="50000"/>
+            </a:schemeClr>
+          </a:lnRef>
+          <a:fillRef idx="1">
+            <a:schemeClr val="accent1"/>
+          </a:fillRef>
+          <a:effectRef idx="0">
+            <a:schemeClr val="accent1"/>
+          </a:effectRef>
+          <a:fontRef idx="minor">
+            <a:schemeClr val="lt1"/>
+          </a:fontRef>
+        </p:style>
+        <p:txBody>
+          <a:bodyPr rtlCol="0" anchor="ctr"/>
+          <a:lstStyle/>
+          <a:p>
+            <a:pPr algn="ctr"/>
+            <a:endParaRPr lang="zh-CN" altLang="en-US"/>
+          </a:p>
+        </p:txBody>
+      </p:sp>
+      <p:sp>
+        <p:nvSpPr>
+          <p:cNvPr id="79" name="下箭头 78"/>
+          <p:cNvSpPr/>
+          <p:nvPr/>
+        </p:nvSpPr>
+        <p:spPr>
+          <a:xfrm>
+            <a:off x="5335524" y="1188519"/>
+            <a:ext cx="114300" cy="478445"/>
+          </a:xfrm>
+          <a:prstGeom prst="downArrow">
+            <a:avLst/>
+          </a:prstGeom>
+          <a:solidFill>
+            <a:srgbClr val="7030A0"/>
+          </a:solidFill>
+          <a:ln>
+            <a:noFill/>
+          </a:ln>
+        </p:spPr>
+        <p:style>
+          <a:lnRef idx="2">
+            <a:schemeClr val="accent1">
+              <a:shade val="50000"/>
+            </a:schemeClr>
+          </a:lnRef>
+          <a:fillRef idx="1">
+            <a:schemeClr val="accent1"/>
+          </a:fillRef>
+          <a:effectRef idx="0">
+            <a:schemeClr val="accent1"/>
+          </a:effectRef>
+          <a:fontRef idx="minor">
+            <a:schemeClr val="lt1"/>
+          </a:fontRef>
+        </p:style>
+        <p:txBody>
+          <a:bodyPr rtlCol="0" anchor="ctr"/>
+          <a:lstStyle/>
+          <a:p>
+            <a:pPr algn="ctr"/>
+            <a:endParaRPr lang="zh-CN" altLang="en-US"/>
+          </a:p>
+        </p:txBody>
+      </p:sp>
+      <p:sp>
+        <p:nvSpPr>
+          <p:cNvPr id="80" name="下箭头 79"/>
+          <p:cNvSpPr/>
+          <p:nvPr/>
+        </p:nvSpPr>
+        <p:spPr>
+          <a:xfrm rot="2700000">
+            <a:off x="4438650" y="2322667"/>
+            <a:ext cx="114300" cy="478445"/>
+          </a:xfrm>
+          <a:prstGeom prst="downArrow">
+            <a:avLst/>
+          </a:prstGeom>
+          <a:solidFill>
+            <a:srgbClr val="7030A0"/>
+          </a:solidFill>
+          <a:ln>
+            <a:noFill/>
+          </a:ln>
+        </p:spPr>
+        <p:style>
+          <a:lnRef idx="2">
+            <a:schemeClr val="accent1">
+              <a:shade val="50000"/>
+            </a:schemeClr>
+          </a:lnRef>
+          <a:fillRef idx="1">
+            <a:schemeClr val="accent1"/>
+          </a:fillRef>
+          <a:effectRef idx="0">
+            <a:schemeClr val="accent1"/>
+          </a:effectRef>
+          <a:fontRef idx="minor">
+            <a:schemeClr val="lt1"/>
+          </a:fontRef>
+        </p:style>
+        <p:txBody>
+          <a:bodyPr rtlCol="0" anchor="ctr"/>
+          <a:lstStyle/>
+          <a:p>
+            <a:pPr algn="ctr"/>
+            <a:endParaRPr lang="zh-CN" altLang="en-US"/>
+          </a:p>
+        </p:txBody>
+      </p:sp>
+      <p:sp>
+        <p:nvSpPr>
+          <p:cNvPr id="81" name="下箭头 80"/>
+          <p:cNvSpPr/>
+          <p:nvPr/>
+        </p:nvSpPr>
+        <p:spPr>
+          <a:xfrm>
+            <a:off x="3773424" y="3277877"/>
+            <a:ext cx="114300" cy="478445"/>
+          </a:xfrm>
+          <a:prstGeom prst="downArrow">
+            <a:avLst/>
+          </a:prstGeom>
+          <a:solidFill>
+            <a:srgbClr val="7030A0"/>
+          </a:solidFill>
+          <a:ln>
+            <a:noFill/>
+          </a:ln>
+        </p:spPr>
+        <p:style>
+          <a:lnRef idx="2">
+            <a:schemeClr val="accent1">
+              <a:shade val="50000"/>
+            </a:schemeClr>
+          </a:lnRef>
+          <a:fillRef idx="1">
+            <a:schemeClr val="accent1"/>
+          </a:fillRef>
+          <a:effectRef idx="0">
+            <a:schemeClr val="accent1"/>
+          </a:effectRef>
+          <a:fontRef idx="minor">
+            <a:schemeClr val="lt1"/>
+          </a:fontRef>
+        </p:style>
+        <p:txBody>
+          <a:bodyPr rtlCol="0" anchor="ctr"/>
+          <a:lstStyle/>
+          <a:p>
+            <a:pPr algn="ctr"/>
+            <a:endParaRPr lang="zh-CN" altLang="en-US"/>
+          </a:p>
+        </p:txBody>
+      </p:sp>
+      <p:sp>
+        <p:nvSpPr>
+          <p:cNvPr id="82" name="下箭头 81"/>
+          <p:cNvSpPr/>
+          <p:nvPr/>
+        </p:nvSpPr>
+        <p:spPr>
+          <a:xfrm>
+            <a:off x="3771900" y="4267199"/>
+            <a:ext cx="114300" cy="478445"/>
+          </a:xfrm>
+          <a:prstGeom prst="downArrow">
+            <a:avLst/>
+          </a:prstGeom>
+          <a:solidFill>
+            <a:srgbClr val="7030A0"/>
+          </a:solidFill>
+          <a:ln>
+            <a:noFill/>
+          </a:ln>
+        </p:spPr>
+        <p:style>
+          <a:lnRef idx="2">
+            <a:schemeClr val="accent1">
+              <a:shade val="50000"/>
+            </a:schemeClr>
+          </a:lnRef>
+          <a:fillRef idx="1">
+            <a:schemeClr val="accent1"/>
+          </a:fillRef>
+          <a:effectRef idx="0">
+            <a:schemeClr val="accent1"/>
+          </a:effectRef>
+          <a:fontRef idx="minor">
+            <a:schemeClr val="lt1"/>
+          </a:fontRef>
+        </p:style>
+        <p:txBody>
+          <a:bodyPr rtlCol="0" anchor="ctr"/>
+          <a:lstStyle/>
+          <a:p>
+            <a:pPr algn="ctr"/>
+            <a:endParaRPr lang="zh-CN" altLang="en-US"/>
+          </a:p>
+        </p:txBody>
+      </p:sp>
+      <p:sp>
+        <p:nvSpPr>
+          <p:cNvPr id="83" name="下箭头 82"/>
+          <p:cNvSpPr/>
+          <p:nvPr/>
+        </p:nvSpPr>
+        <p:spPr>
+          <a:xfrm>
+            <a:off x="3792474" y="5247177"/>
+            <a:ext cx="114300" cy="478445"/>
+          </a:xfrm>
+          <a:prstGeom prst="downArrow">
+            <a:avLst/>
+          </a:prstGeom>
+          <a:solidFill>
+            <a:srgbClr val="7030A0"/>
+          </a:solidFill>
+          <a:ln>
+            <a:noFill/>
+          </a:ln>
+        </p:spPr>
+        <p:style>
+          <a:lnRef idx="2">
+            <a:schemeClr val="accent1">
+              <a:shade val="50000"/>
+            </a:schemeClr>
+          </a:lnRef>
+          <a:fillRef idx="1">
+            <a:schemeClr val="accent1"/>
+          </a:fillRef>
+          <a:effectRef idx="0">
+            <a:schemeClr val="accent1"/>
+          </a:effectRef>
+          <a:fontRef idx="minor">
+            <a:schemeClr val="lt1"/>
+          </a:fontRef>
+        </p:style>
+        <p:txBody>
+          <a:bodyPr rtlCol="0" anchor="ctr"/>
+          <a:lstStyle/>
+          <a:p>
+            <a:pPr algn="ctr"/>
+            <a:endParaRPr lang="zh-CN" altLang="en-US"/>
+          </a:p>
+        </p:txBody>
+      </p:sp>
+      <p:sp>
+        <p:nvSpPr>
+          <p:cNvPr id="84" name="下箭头 83"/>
+          <p:cNvSpPr/>
+          <p:nvPr/>
+        </p:nvSpPr>
+        <p:spPr>
+          <a:xfrm rot="10800000">
+            <a:off x="6172200" y="2743200"/>
+            <a:ext cx="457200" cy="457200"/>
+          </a:xfrm>
+          <a:prstGeom prst="downArrow">
+            <a:avLst/>
+          </a:prstGeom>
+          <a:solidFill>
+            <a:schemeClr val="tx1"/>
+          </a:solidFill>
+          <a:ln>
+            <a:solidFill>
+              <a:schemeClr val="bg1"/>
+            </a:solidFill>
+          </a:ln>
+        </p:spPr>
+        <p:style>
+          <a:lnRef idx="2">
+            <a:schemeClr val="accent1">
+              <a:shade val="50000"/>
+            </a:schemeClr>
+          </a:lnRef>
+          <a:fillRef idx="1">
+            <a:schemeClr val="accent1"/>
+          </a:fillRef>
+          <a:effectRef idx="0">
+            <a:schemeClr val="accent1"/>
+          </a:effectRef>
+          <a:fontRef idx="minor">
+            <a:schemeClr val="lt1"/>
+          </a:fontRef>
+        </p:style>
+        <p:txBody>
+          <a:bodyPr rtlCol="0" anchor="ctr"/>
+          <a:lstStyle/>
+          <a:p>
+            <a:pPr algn="ctr"/>
+            <a:endParaRPr lang="zh-CN" altLang="en-US"/>
+          </a:p>
+        </p:txBody>
+      </p:sp>
+      <p:sp>
+        <p:nvSpPr>
+          <p:cNvPr id="85" name="下箭头 84"/>
+          <p:cNvSpPr/>
+          <p:nvPr/>
+        </p:nvSpPr>
+        <p:spPr>
+          <a:xfrm>
+            <a:off x="6343650" y="3584980"/>
+            <a:ext cx="114300" cy="478445"/>
+          </a:xfrm>
+          <a:prstGeom prst="downArrow">
+            <a:avLst/>
+          </a:prstGeom>
+          <a:solidFill>
+            <a:srgbClr val="7030A0"/>
+          </a:solidFill>
+          <a:ln>
+            <a:noFill/>
+          </a:ln>
+        </p:spPr>
+        <p:style>
+          <a:lnRef idx="2">
+            <a:schemeClr val="accent1">
+              <a:shade val="50000"/>
+            </a:schemeClr>
+          </a:lnRef>
+          <a:fillRef idx="1">
+            <a:schemeClr val="accent1"/>
+          </a:fillRef>
+          <a:effectRef idx="0">
+            <a:schemeClr val="accent1"/>
+          </a:effectRef>
+          <a:fontRef idx="minor">
+            <a:schemeClr val="lt1"/>
+          </a:fontRef>
+        </p:style>
+        <p:txBody>
+          <a:bodyPr rtlCol="0" anchor="ctr"/>
+          <a:lstStyle/>
+          <a:p>
+            <a:pPr algn="ctr"/>
+            <a:endParaRPr lang="zh-CN" altLang="en-US"/>
+          </a:p>
+        </p:txBody>
+      </p:sp>
+      <p:sp>
+        <p:nvSpPr>
+          <p:cNvPr id="86" name="下箭头 85"/>
+          <p:cNvSpPr/>
+          <p:nvPr/>
+        </p:nvSpPr>
+        <p:spPr>
+          <a:xfrm>
+            <a:off x="6343650" y="4394022"/>
+            <a:ext cx="114300" cy="478445"/>
+          </a:xfrm>
+          <a:prstGeom prst="downArrow">
+            <a:avLst/>
+          </a:prstGeom>
+          <a:solidFill>
+            <a:srgbClr val="92D050"/>
+          </a:solidFill>
+          <a:ln>
+            <a:noFill/>
+          </a:ln>
+        </p:spPr>
+        <p:style>
+          <a:lnRef idx="2">
+            <a:schemeClr val="accent1">
+              <a:shade val="50000"/>
+            </a:schemeClr>
+          </a:lnRef>
+          <a:fillRef idx="1">
+            <a:schemeClr val="accent1"/>
+          </a:fillRef>
+          <a:effectRef idx="0">
+            <a:schemeClr val="accent1"/>
+          </a:effectRef>
+          <a:fontRef idx="minor">
+            <a:schemeClr val="lt1"/>
+          </a:fontRef>
+        </p:style>
+        <p:txBody>
+          <a:bodyPr rtlCol="0" anchor="ctr"/>
+          <a:lstStyle/>
+          <a:p>
+            <a:pPr algn="ctr"/>
+            <a:endParaRPr lang="zh-CN" altLang="en-US"/>
+          </a:p>
+        </p:txBody>
+      </p:sp>
+      <p:sp>
+        <p:nvSpPr>
+          <p:cNvPr id="87" name="TextBox 86"/>
+          <p:cNvSpPr txBox="1"/>
+          <p:nvPr/>
+        </p:nvSpPr>
+        <p:spPr>
+          <a:xfrm>
+            <a:off x="6629400" y="2819400"/>
+            <a:ext cx="962508" cy="369332"/>
+          </a:xfrm>
+          <a:prstGeom prst="rect">
+            <a:avLst/>
+          </a:prstGeom>
+          <a:noFill/>
+        </p:spPr>
+        <p:txBody>
+          <a:bodyPr wrap="none" rtlCol="0">
+            <a:spAutoFit/>
+          </a:bodyPr>
+          <a:lstStyle/>
+          <a:p>
+            <a:r>
+              <a:rPr lang="en-US" altLang="zh-CN" dirty="0" smtClean="0"/>
+              <a:t>Forward</a:t>
+            </a:r>
+            <a:endParaRPr lang="zh-CN" altLang="en-US" dirty="0"/>
+          </a:p>
+        </p:txBody>
+      </p:sp>
+      <p:sp>
+        <p:nvSpPr>
+          <p:cNvPr id="88" name="TextBox 87"/>
+          <p:cNvSpPr txBox="1"/>
+          <p:nvPr/>
+        </p:nvSpPr>
+        <p:spPr>
+          <a:xfrm>
+            <a:off x="6485247" y="3505200"/>
+            <a:ext cx="2430153" cy="646331"/>
+          </a:xfrm>
+          <a:prstGeom prst="rect">
+            <a:avLst/>
+          </a:prstGeom>
+          <a:noFill/>
+        </p:spPr>
+        <p:txBody>
+          <a:bodyPr wrap="none" rtlCol="0">
+            <a:spAutoFit/>
+          </a:bodyPr>
+          <a:lstStyle/>
+          <a:p>
+            <a:pPr algn="ctr"/>
+            <a:r>
+              <a:rPr lang="en-US" altLang="zh-CN" dirty="0" smtClean="0"/>
+              <a:t>Error propagation for </a:t>
+            </a:r>
+          </a:p>
+          <a:p>
+            <a:r>
+              <a:rPr lang="en-US" altLang="zh-CN" dirty="0" smtClean="0"/>
+              <a:t>fine-tune the whole net</a:t>
+            </a:r>
+            <a:endParaRPr lang="zh-CN" altLang="en-US" dirty="0"/>
+          </a:p>
+        </p:txBody>
+      </p:sp>
+      <p:sp>
+        <p:nvSpPr>
+          <p:cNvPr id="89" name="TextBox 88"/>
+          <p:cNvSpPr txBox="1"/>
+          <p:nvPr/>
+        </p:nvSpPr>
+        <p:spPr>
+          <a:xfrm>
+            <a:off x="6529709" y="4343400"/>
+            <a:ext cx="2324995" cy="646331"/>
+          </a:xfrm>
+          <a:prstGeom prst="rect">
+            <a:avLst/>
+          </a:prstGeom>
+          <a:noFill/>
+        </p:spPr>
+        <p:txBody>
+          <a:bodyPr wrap="none" rtlCol="0">
+            <a:spAutoFit/>
+          </a:bodyPr>
+          <a:lstStyle/>
+          <a:p>
+            <a:r>
+              <a:rPr lang="en-US" altLang="zh-CN" dirty="0" smtClean="0"/>
+              <a:t>Error propagation for </a:t>
+            </a:r>
+          </a:p>
+          <a:p>
+            <a:pPr algn="ctr"/>
+            <a:r>
+              <a:rPr lang="en-US" altLang="zh-CN" dirty="0" smtClean="0"/>
+              <a:t>fine-tune the last layer</a:t>
+            </a:r>
+            <a:endParaRPr lang="zh-CN" altLang="en-US" dirty="0"/>
+          </a:p>
+        </p:txBody>
+      </p:sp>
+    </p:spTree>
+    <p:extLst>
+      <p:ext uri="{BB962C8B-B14F-4D97-AF65-F5344CB8AC3E}">
+        <p14:creationId xmlns:p14="http://schemas.microsoft.com/office/powerpoint/2010/main" val="1389460541"/>
+      </p:ext>
+    </p:extLst>
+  </p:cSld>
+  <p:clrMapOvr>
+    <a:masterClrMapping/>
+  </p:clrMapOvr>
+</p:sld>
+</file>
+
 <file path=ppt/theme/theme1.xml><?xml version="1.0" encoding="utf-8"?>
 <a:theme xmlns:a="http://schemas.openxmlformats.org/drawingml/2006/main" name="Office Theme">
   <a:themeElements>
